--- a/_book/plot/sinepharm-province-barplot-1.pptx
+++ b/_book/plot/sinepharm-province-barplot-1.pptx
@@ -3192,8 +3192,8 @@
           </p:nvSpPr>
           <p:spPr>
             <a:xfrm>
-              <a:off x="2081816" y="1811862"/>
-              <a:ext cx="6855275" cy="3834063"/>
+              <a:off x="2080073" y="1810329"/>
+              <a:ext cx="6857019" cy="3839294"/>
             </a:xfrm>
             <a:prstGeom prst="rect">
               <a:avLst/>
@@ -3218,15 +3218,15 @@
           </p:nvSpPr>
           <p:spPr>
             <a:xfrm>
-              <a:off x="3281970" y="1811862"/>
-              <a:ext cx="0" cy="3834063"/>
+              <a:off x="3280531" y="1810329"/>
+              <a:ext cx="0" cy="3839294"/>
             </a:xfrm>
             <a:custGeom>
               <a:avLst/>
               <a:pathLst>
-                <a:path w="0" h="3834063">
+                <a:path w="0" h="3839294">
                   <a:moveTo>
-                    <a:pt x="0" y="3834063"/>
+                    <a:pt x="0" y="3839294"/>
                   </a:moveTo>
                   <a:lnTo>
                     <a:pt x="0" y="0"/>
@@ -3261,15 +3261,15 @@
           </p:nvSpPr>
           <p:spPr>
             <a:xfrm>
-              <a:off x="5682276" y="1811862"/>
-              <a:ext cx="0" cy="3834063"/>
+              <a:off x="5681448" y="1810329"/>
+              <a:ext cx="0" cy="3839294"/>
             </a:xfrm>
             <a:custGeom>
               <a:avLst/>
               <a:pathLst>
-                <a:path w="0" h="3834063">
+                <a:path w="0" h="3839294">
                   <a:moveTo>
-                    <a:pt x="0" y="3834063"/>
+                    <a:pt x="0" y="3839294"/>
                   </a:moveTo>
                   <a:lnTo>
                     <a:pt x="0" y="0"/>
@@ -3304,15 +3304,15 @@
           </p:nvSpPr>
           <p:spPr>
             <a:xfrm>
-              <a:off x="8082583" y="1811862"/>
-              <a:ext cx="0" cy="3834063"/>
+              <a:off x="8082365" y="1810329"/>
+              <a:ext cx="0" cy="3839294"/>
             </a:xfrm>
             <a:custGeom>
               <a:avLst/>
               <a:pathLst>
-                <a:path w="0" h="3834063">
+                <a:path w="0" h="3839294">
                   <a:moveTo>
-                    <a:pt x="0" y="3834063"/>
+                    <a:pt x="0" y="3839294"/>
                   </a:moveTo>
                   <a:lnTo>
                     <a:pt x="0" y="0"/>
@@ -3347,21 +3347,21 @@
           </p:nvSpPr>
           <p:spPr>
             <a:xfrm>
-              <a:off x="2081816" y="5532043"/>
-              <a:ext cx="6855275" cy="0"/>
+              <a:off x="2080073" y="5535585"/>
+              <a:ext cx="6857019" cy="0"/>
             </a:xfrm>
             <a:custGeom>
               <a:avLst/>
               <a:pathLst>
-                <a:path w="6855275" h="0">
+                <a:path w="6857019" h="0">
                   <a:moveTo>
                     <a:pt x="0" y="0"/>
                   </a:moveTo>
                   <a:lnTo>
-                    <a:pt x="6855275" y="0"/>
-                  </a:lnTo>
-                  <a:lnTo>
-                    <a:pt x="6855275" y="0"/>
+                    <a:pt x="6857019" y="0"/>
+                  </a:lnTo>
+                  <a:lnTo>
+                    <a:pt x="6857019" y="0"/>
                   </a:lnTo>
                 </a:path>
               </a:pathLst>
@@ -3390,21 +3390,21 @@
           </p:nvSpPr>
           <p:spPr>
             <a:xfrm>
-              <a:off x="2081816" y="5342238"/>
-              <a:ext cx="6855275" cy="0"/>
+              <a:off x="2080073" y="5345521"/>
+              <a:ext cx="6857019" cy="0"/>
             </a:xfrm>
             <a:custGeom>
               <a:avLst/>
               <a:pathLst>
-                <a:path w="6855275" h="0">
+                <a:path w="6857019" h="0">
                   <a:moveTo>
                     <a:pt x="0" y="0"/>
                   </a:moveTo>
                   <a:lnTo>
-                    <a:pt x="6855275" y="0"/>
-                  </a:lnTo>
-                  <a:lnTo>
-                    <a:pt x="6855275" y="0"/>
+                    <a:pt x="6857019" y="0"/>
+                  </a:lnTo>
+                  <a:lnTo>
+                    <a:pt x="6857019" y="0"/>
                   </a:lnTo>
                 </a:path>
               </a:pathLst>
@@ -3433,21 +3433,21 @@
           </p:nvSpPr>
           <p:spPr>
             <a:xfrm>
-              <a:off x="2081816" y="5152433"/>
-              <a:ext cx="6855275" cy="0"/>
+              <a:off x="2080073" y="5155457"/>
+              <a:ext cx="6857019" cy="0"/>
             </a:xfrm>
             <a:custGeom>
               <a:avLst/>
               <a:pathLst>
-                <a:path w="6855275" h="0">
+                <a:path w="6857019" h="0">
                   <a:moveTo>
                     <a:pt x="0" y="0"/>
                   </a:moveTo>
                   <a:lnTo>
-                    <a:pt x="6855275" y="0"/>
-                  </a:lnTo>
-                  <a:lnTo>
-                    <a:pt x="6855275" y="0"/>
+                    <a:pt x="6857019" y="0"/>
+                  </a:lnTo>
+                  <a:lnTo>
+                    <a:pt x="6857019" y="0"/>
                   </a:lnTo>
                 </a:path>
               </a:pathLst>
@@ -3476,21 +3476,21 @@
           </p:nvSpPr>
           <p:spPr>
             <a:xfrm>
-              <a:off x="2081816" y="4962628"/>
-              <a:ext cx="6855275" cy="0"/>
+              <a:off x="2080073" y="4965393"/>
+              <a:ext cx="6857019" cy="0"/>
             </a:xfrm>
             <a:custGeom>
               <a:avLst/>
               <a:pathLst>
-                <a:path w="6855275" h="0">
+                <a:path w="6857019" h="0">
                   <a:moveTo>
                     <a:pt x="0" y="0"/>
                   </a:moveTo>
                   <a:lnTo>
-                    <a:pt x="6855275" y="0"/>
-                  </a:lnTo>
-                  <a:lnTo>
-                    <a:pt x="6855275" y="0"/>
+                    <a:pt x="6857019" y="0"/>
+                  </a:lnTo>
+                  <a:lnTo>
+                    <a:pt x="6857019" y="0"/>
                   </a:lnTo>
                 </a:path>
               </a:pathLst>
@@ -3519,21 +3519,21 @@
           </p:nvSpPr>
           <p:spPr>
             <a:xfrm>
-              <a:off x="2081816" y="4772822"/>
-              <a:ext cx="6855275" cy="0"/>
+              <a:off x="2080073" y="4775328"/>
+              <a:ext cx="6857019" cy="0"/>
             </a:xfrm>
             <a:custGeom>
               <a:avLst/>
               <a:pathLst>
-                <a:path w="6855275" h="0">
+                <a:path w="6857019" h="0">
                   <a:moveTo>
                     <a:pt x="0" y="0"/>
                   </a:moveTo>
                   <a:lnTo>
-                    <a:pt x="6855275" y="0"/>
-                  </a:lnTo>
-                  <a:lnTo>
-                    <a:pt x="6855275" y="0"/>
+                    <a:pt x="6857019" y="0"/>
+                  </a:lnTo>
+                  <a:lnTo>
+                    <a:pt x="6857019" y="0"/>
                   </a:lnTo>
                 </a:path>
               </a:pathLst>
@@ -3562,21 +3562,21 @@
           </p:nvSpPr>
           <p:spPr>
             <a:xfrm>
-              <a:off x="2081816" y="4583017"/>
-              <a:ext cx="6855275" cy="0"/>
+              <a:off x="2080073" y="4585264"/>
+              <a:ext cx="6857019" cy="0"/>
             </a:xfrm>
             <a:custGeom>
               <a:avLst/>
               <a:pathLst>
-                <a:path w="6855275" h="0">
+                <a:path w="6857019" h="0">
                   <a:moveTo>
                     <a:pt x="0" y="0"/>
                   </a:moveTo>
                   <a:lnTo>
-                    <a:pt x="6855275" y="0"/>
-                  </a:lnTo>
-                  <a:lnTo>
-                    <a:pt x="6855275" y="0"/>
+                    <a:pt x="6857019" y="0"/>
+                  </a:lnTo>
+                  <a:lnTo>
+                    <a:pt x="6857019" y="0"/>
                   </a:lnTo>
                 </a:path>
               </a:pathLst>
@@ -3605,21 +3605,21 @@
           </p:nvSpPr>
           <p:spPr>
             <a:xfrm>
-              <a:off x="2081816" y="4393212"/>
-              <a:ext cx="6855275" cy="0"/>
+              <a:off x="2080073" y="4395200"/>
+              <a:ext cx="6857019" cy="0"/>
             </a:xfrm>
             <a:custGeom>
               <a:avLst/>
               <a:pathLst>
-                <a:path w="6855275" h="0">
+                <a:path w="6857019" h="0">
                   <a:moveTo>
                     <a:pt x="0" y="0"/>
                   </a:moveTo>
                   <a:lnTo>
-                    <a:pt x="6855275" y="0"/>
-                  </a:lnTo>
-                  <a:lnTo>
-                    <a:pt x="6855275" y="0"/>
+                    <a:pt x="6857019" y="0"/>
+                  </a:lnTo>
+                  <a:lnTo>
+                    <a:pt x="6857019" y="0"/>
                   </a:lnTo>
                 </a:path>
               </a:pathLst>
@@ -3648,21 +3648,21 @@
           </p:nvSpPr>
           <p:spPr>
             <a:xfrm>
-              <a:off x="2081816" y="4203407"/>
-              <a:ext cx="6855275" cy="0"/>
+              <a:off x="2080073" y="4205136"/>
+              <a:ext cx="6857019" cy="0"/>
             </a:xfrm>
             <a:custGeom>
               <a:avLst/>
               <a:pathLst>
-                <a:path w="6855275" h="0">
+                <a:path w="6857019" h="0">
                   <a:moveTo>
                     <a:pt x="0" y="0"/>
                   </a:moveTo>
                   <a:lnTo>
-                    <a:pt x="6855275" y="0"/>
-                  </a:lnTo>
-                  <a:lnTo>
-                    <a:pt x="6855275" y="0"/>
+                    <a:pt x="6857019" y="0"/>
+                  </a:lnTo>
+                  <a:lnTo>
+                    <a:pt x="6857019" y="0"/>
                   </a:lnTo>
                 </a:path>
               </a:pathLst>
@@ -3691,21 +3691,21 @@
           </p:nvSpPr>
           <p:spPr>
             <a:xfrm>
-              <a:off x="2081816" y="4013602"/>
-              <a:ext cx="6855275" cy="0"/>
+              <a:off x="2080073" y="4015072"/>
+              <a:ext cx="6857019" cy="0"/>
             </a:xfrm>
             <a:custGeom>
               <a:avLst/>
               <a:pathLst>
-                <a:path w="6855275" h="0">
+                <a:path w="6857019" h="0">
                   <a:moveTo>
                     <a:pt x="0" y="0"/>
                   </a:moveTo>
                   <a:lnTo>
-                    <a:pt x="6855275" y="0"/>
-                  </a:lnTo>
-                  <a:lnTo>
-                    <a:pt x="6855275" y="0"/>
+                    <a:pt x="6857019" y="0"/>
+                  </a:lnTo>
+                  <a:lnTo>
+                    <a:pt x="6857019" y="0"/>
                   </a:lnTo>
                 </a:path>
               </a:pathLst>
@@ -3734,21 +3734,21 @@
           </p:nvSpPr>
           <p:spPr>
             <a:xfrm>
-              <a:off x="2081816" y="3823797"/>
-              <a:ext cx="6855275" cy="0"/>
+              <a:off x="2080073" y="3825008"/>
+              <a:ext cx="6857019" cy="0"/>
             </a:xfrm>
             <a:custGeom>
               <a:avLst/>
               <a:pathLst>
-                <a:path w="6855275" h="0">
+                <a:path w="6857019" h="0">
                   <a:moveTo>
                     <a:pt x="0" y="0"/>
                   </a:moveTo>
                   <a:lnTo>
-                    <a:pt x="6855275" y="0"/>
-                  </a:lnTo>
-                  <a:lnTo>
-                    <a:pt x="6855275" y="0"/>
+                    <a:pt x="6857019" y="0"/>
+                  </a:lnTo>
+                  <a:lnTo>
+                    <a:pt x="6857019" y="0"/>
                   </a:lnTo>
                 </a:path>
               </a:pathLst>
@@ -3777,21 +3777,21 @@
           </p:nvSpPr>
           <p:spPr>
             <a:xfrm>
-              <a:off x="2081816" y="3633992"/>
-              <a:ext cx="6855275" cy="0"/>
+              <a:off x="2080073" y="3634944"/>
+              <a:ext cx="6857019" cy="0"/>
             </a:xfrm>
             <a:custGeom>
               <a:avLst/>
               <a:pathLst>
-                <a:path w="6855275" h="0">
+                <a:path w="6857019" h="0">
                   <a:moveTo>
                     <a:pt x="0" y="0"/>
                   </a:moveTo>
                   <a:lnTo>
-                    <a:pt x="6855275" y="0"/>
-                  </a:lnTo>
-                  <a:lnTo>
-                    <a:pt x="6855275" y="0"/>
+                    <a:pt x="6857019" y="0"/>
+                  </a:lnTo>
+                  <a:lnTo>
+                    <a:pt x="6857019" y="0"/>
                   </a:lnTo>
                 </a:path>
               </a:pathLst>
@@ -3820,21 +3820,21 @@
           </p:nvSpPr>
           <p:spPr>
             <a:xfrm>
-              <a:off x="2081816" y="3444186"/>
-              <a:ext cx="6855275" cy="0"/>
+              <a:off x="2080073" y="3444880"/>
+              <a:ext cx="6857019" cy="0"/>
             </a:xfrm>
             <a:custGeom>
               <a:avLst/>
               <a:pathLst>
-                <a:path w="6855275" h="0">
+                <a:path w="6857019" h="0">
                   <a:moveTo>
                     <a:pt x="0" y="0"/>
                   </a:moveTo>
                   <a:lnTo>
-                    <a:pt x="6855275" y="0"/>
-                  </a:lnTo>
-                  <a:lnTo>
-                    <a:pt x="6855275" y="0"/>
+                    <a:pt x="6857019" y="0"/>
+                  </a:lnTo>
+                  <a:lnTo>
+                    <a:pt x="6857019" y="0"/>
                   </a:lnTo>
                 </a:path>
               </a:pathLst>
@@ -3863,21 +3863,21 @@
           </p:nvSpPr>
           <p:spPr>
             <a:xfrm>
-              <a:off x="2081816" y="3254381"/>
-              <a:ext cx="6855275" cy="0"/>
+              <a:off x="2080073" y="3254816"/>
+              <a:ext cx="6857019" cy="0"/>
             </a:xfrm>
             <a:custGeom>
               <a:avLst/>
               <a:pathLst>
-                <a:path w="6855275" h="0">
+                <a:path w="6857019" h="0">
                   <a:moveTo>
                     <a:pt x="0" y="0"/>
                   </a:moveTo>
                   <a:lnTo>
-                    <a:pt x="6855275" y="0"/>
-                  </a:lnTo>
-                  <a:lnTo>
-                    <a:pt x="6855275" y="0"/>
+                    <a:pt x="6857019" y="0"/>
+                  </a:lnTo>
+                  <a:lnTo>
+                    <a:pt x="6857019" y="0"/>
                   </a:lnTo>
                 </a:path>
               </a:pathLst>
@@ -3906,21 +3906,21 @@
           </p:nvSpPr>
           <p:spPr>
             <a:xfrm>
-              <a:off x="2081816" y="3064576"/>
-              <a:ext cx="6855275" cy="0"/>
+              <a:off x="2080073" y="3064752"/>
+              <a:ext cx="6857019" cy="0"/>
             </a:xfrm>
             <a:custGeom>
               <a:avLst/>
               <a:pathLst>
-                <a:path w="6855275" h="0">
+                <a:path w="6857019" h="0">
                   <a:moveTo>
                     <a:pt x="0" y="0"/>
                   </a:moveTo>
                   <a:lnTo>
-                    <a:pt x="6855275" y="0"/>
-                  </a:lnTo>
-                  <a:lnTo>
-                    <a:pt x="6855275" y="0"/>
+                    <a:pt x="6857019" y="0"/>
+                  </a:lnTo>
+                  <a:lnTo>
+                    <a:pt x="6857019" y="0"/>
                   </a:lnTo>
                 </a:path>
               </a:pathLst>
@@ -3949,21 +3949,21 @@
           </p:nvSpPr>
           <p:spPr>
             <a:xfrm>
-              <a:off x="2081816" y="2874771"/>
-              <a:ext cx="6855275" cy="0"/>
+              <a:off x="2080073" y="2874688"/>
+              <a:ext cx="6857019" cy="0"/>
             </a:xfrm>
             <a:custGeom>
               <a:avLst/>
               <a:pathLst>
-                <a:path w="6855275" h="0">
+                <a:path w="6857019" h="0">
                   <a:moveTo>
                     <a:pt x="0" y="0"/>
                   </a:moveTo>
                   <a:lnTo>
-                    <a:pt x="6855275" y="0"/>
-                  </a:lnTo>
-                  <a:lnTo>
-                    <a:pt x="6855275" y="0"/>
+                    <a:pt x="6857019" y="0"/>
+                  </a:lnTo>
+                  <a:lnTo>
+                    <a:pt x="6857019" y="0"/>
                   </a:lnTo>
                 </a:path>
               </a:pathLst>
@@ -3992,21 +3992,21 @@
           </p:nvSpPr>
           <p:spPr>
             <a:xfrm>
-              <a:off x="2081816" y="2684966"/>
-              <a:ext cx="6855275" cy="0"/>
+              <a:off x="2080073" y="2684623"/>
+              <a:ext cx="6857019" cy="0"/>
             </a:xfrm>
             <a:custGeom>
               <a:avLst/>
               <a:pathLst>
-                <a:path w="6855275" h="0">
+                <a:path w="6857019" h="0">
                   <a:moveTo>
                     <a:pt x="0" y="0"/>
                   </a:moveTo>
                   <a:lnTo>
-                    <a:pt x="6855275" y="0"/>
-                  </a:lnTo>
-                  <a:lnTo>
-                    <a:pt x="6855275" y="0"/>
+                    <a:pt x="6857019" y="0"/>
+                  </a:lnTo>
+                  <a:lnTo>
+                    <a:pt x="6857019" y="0"/>
                   </a:lnTo>
                 </a:path>
               </a:pathLst>
@@ -4035,21 +4035,21 @@
           </p:nvSpPr>
           <p:spPr>
             <a:xfrm>
-              <a:off x="2081816" y="2495161"/>
-              <a:ext cx="6855275" cy="0"/>
+              <a:off x="2080073" y="2494559"/>
+              <a:ext cx="6857019" cy="0"/>
             </a:xfrm>
             <a:custGeom>
               <a:avLst/>
               <a:pathLst>
-                <a:path w="6855275" h="0">
+                <a:path w="6857019" h="0">
                   <a:moveTo>
                     <a:pt x="0" y="0"/>
                   </a:moveTo>
                   <a:lnTo>
-                    <a:pt x="6855275" y="0"/>
-                  </a:lnTo>
-                  <a:lnTo>
-                    <a:pt x="6855275" y="0"/>
+                    <a:pt x="6857019" y="0"/>
+                  </a:lnTo>
+                  <a:lnTo>
+                    <a:pt x="6857019" y="0"/>
                   </a:lnTo>
                 </a:path>
               </a:pathLst>
@@ -4078,21 +4078,21 @@
           </p:nvSpPr>
           <p:spPr>
             <a:xfrm>
-              <a:off x="2081816" y="2305356"/>
-              <a:ext cx="6855275" cy="0"/>
+              <a:off x="2080073" y="2304495"/>
+              <a:ext cx="6857019" cy="0"/>
             </a:xfrm>
             <a:custGeom>
               <a:avLst/>
               <a:pathLst>
-                <a:path w="6855275" h="0">
+                <a:path w="6857019" h="0">
                   <a:moveTo>
                     <a:pt x="0" y="0"/>
                   </a:moveTo>
                   <a:lnTo>
-                    <a:pt x="6855275" y="0"/>
-                  </a:lnTo>
-                  <a:lnTo>
-                    <a:pt x="6855275" y="0"/>
+                    <a:pt x="6857019" y="0"/>
+                  </a:lnTo>
+                  <a:lnTo>
+                    <a:pt x="6857019" y="0"/>
                   </a:lnTo>
                 </a:path>
               </a:pathLst>
@@ -4121,21 +4121,21 @@
           </p:nvSpPr>
           <p:spPr>
             <a:xfrm>
-              <a:off x="2081816" y="2115550"/>
-              <a:ext cx="6855275" cy="0"/>
+              <a:off x="2080073" y="2114431"/>
+              <a:ext cx="6857019" cy="0"/>
             </a:xfrm>
             <a:custGeom>
               <a:avLst/>
               <a:pathLst>
-                <a:path w="6855275" h="0">
+                <a:path w="6857019" h="0">
                   <a:moveTo>
                     <a:pt x="0" y="0"/>
                   </a:moveTo>
                   <a:lnTo>
-                    <a:pt x="6855275" y="0"/>
-                  </a:lnTo>
-                  <a:lnTo>
-                    <a:pt x="6855275" y="0"/>
+                    <a:pt x="6857019" y="0"/>
+                  </a:lnTo>
+                  <a:lnTo>
+                    <a:pt x="6857019" y="0"/>
                   </a:lnTo>
                 </a:path>
               </a:pathLst>
@@ -4164,21 +4164,21 @@
           </p:nvSpPr>
           <p:spPr>
             <a:xfrm>
-              <a:off x="2081816" y="1925745"/>
-              <a:ext cx="6855275" cy="0"/>
+              <a:off x="2080073" y="1924367"/>
+              <a:ext cx="6857019" cy="0"/>
             </a:xfrm>
             <a:custGeom>
               <a:avLst/>
               <a:pathLst>
-                <a:path w="6855275" h="0">
+                <a:path w="6857019" h="0">
                   <a:moveTo>
                     <a:pt x="0" y="0"/>
                   </a:moveTo>
                   <a:lnTo>
-                    <a:pt x="6855275" y="0"/>
-                  </a:lnTo>
-                  <a:lnTo>
-                    <a:pt x="6855275" y="0"/>
+                    <a:pt x="6857019" y="0"/>
+                  </a:lnTo>
+                  <a:lnTo>
+                    <a:pt x="6857019" y="0"/>
                   </a:lnTo>
                 </a:path>
               </a:pathLst>
@@ -4207,15 +4207,15 @@
           </p:nvSpPr>
           <p:spPr>
             <a:xfrm>
-              <a:off x="2081816" y="1811862"/>
-              <a:ext cx="0" cy="3834063"/>
+              <a:off x="2080073" y="1810329"/>
+              <a:ext cx="0" cy="3839294"/>
             </a:xfrm>
             <a:custGeom>
               <a:avLst/>
               <a:pathLst>
-                <a:path w="0" h="3834063">
+                <a:path w="0" h="3839294">
                   <a:moveTo>
-                    <a:pt x="0" y="3834063"/>
+                    <a:pt x="0" y="3839294"/>
                   </a:moveTo>
                   <a:lnTo>
                     <a:pt x="0" y="0"/>
@@ -4250,15 +4250,15 @@
           </p:nvSpPr>
           <p:spPr>
             <a:xfrm>
-              <a:off x="4482123" y="1811862"/>
-              <a:ext cx="0" cy="3834063"/>
+              <a:off x="4480990" y="1810329"/>
+              <a:ext cx="0" cy="3839294"/>
             </a:xfrm>
             <a:custGeom>
               <a:avLst/>
               <a:pathLst>
-                <a:path w="0" h="3834063">
+                <a:path w="0" h="3839294">
                   <a:moveTo>
-                    <a:pt x="0" y="3834063"/>
+                    <a:pt x="0" y="3839294"/>
                   </a:moveTo>
                   <a:lnTo>
                     <a:pt x="0" y="0"/>
@@ -4293,15 +4293,15 @@
           </p:nvSpPr>
           <p:spPr>
             <a:xfrm>
-              <a:off x="6882429" y="1811862"/>
-              <a:ext cx="0" cy="3834063"/>
+              <a:off x="6881907" y="1810329"/>
+              <a:ext cx="0" cy="3839294"/>
             </a:xfrm>
             <a:custGeom>
               <a:avLst/>
               <a:pathLst>
-                <a:path w="0" h="3834063">
+                <a:path w="0" h="3839294">
                   <a:moveTo>
-                    <a:pt x="0" y="3834063"/>
+                    <a:pt x="0" y="3839294"/>
                   </a:moveTo>
                   <a:lnTo>
                     <a:pt x="0" y="0"/>
@@ -4336,8 +4336,8 @@
           </p:nvSpPr>
           <p:spPr>
             <a:xfrm>
-              <a:off x="2081816" y="1840333"/>
-              <a:ext cx="6720858" cy="170824"/>
+              <a:off x="2080073" y="1838838"/>
+              <a:ext cx="6722567" cy="171057"/>
             </a:xfrm>
             <a:prstGeom prst="rect">
               <a:avLst/>
@@ -4362,8 +4362,8 @@
           </p:nvSpPr>
           <p:spPr>
             <a:xfrm>
-              <a:off x="2081816" y="2030138"/>
-              <a:ext cx="5520705" cy="170824"/>
+              <a:off x="2080073" y="2028902"/>
+              <a:ext cx="5522109" cy="171057"/>
             </a:xfrm>
             <a:prstGeom prst="rect">
               <a:avLst/>
@@ -4388,8 +4388,8 @@
           </p:nvSpPr>
           <p:spPr>
             <a:xfrm>
-              <a:off x="2081816" y="2219943"/>
-              <a:ext cx="4752607" cy="170824"/>
+              <a:off x="2080073" y="2218966"/>
+              <a:ext cx="4753815" cy="171057"/>
             </a:xfrm>
             <a:prstGeom prst="rect">
               <a:avLst/>
@@ -4414,8 +4414,8 @@
           </p:nvSpPr>
           <p:spPr>
             <a:xfrm>
-              <a:off x="2081816" y="2409748"/>
-              <a:ext cx="3960505" cy="170824"/>
+              <a:off x="2080073" y="2409031"/>
+              <a:ext cx="3961513" cy="171057"/>
             </a:xfrm>
             <a:prstGeom prst="rect">
               <a:avLst/>
@@ -4440,8 +4440,8 @@
           </p:nvSpPr>
           <p:spPr>
             <a:xfrm>
-              <a:off x="2081816" y="2599553"/>
-              <a:ext cx="3576456" cy="170824"/>
+              <a:off x="2080073" y="2599095"/>
+              <a:ext cx="3577366" cy="171057"/>
             </a:xfrm>
             <a:prstGeom prst="rect">
               <a:avLst/>
@@ -4466,8 +4466,8 @@
           </p:nvSpPr>
           <p:spPr>
             <a:xfrm>
-              <a:off x="2081816" y="2789359"/>
-              <a:ext cx="3240413" cy="170824"/>
+              <a:off x="2080073" y="2789159"/>
+              <a:ext cx="3241238" cy="171057"/>
             </a:xfrm>
             <a:prstGeom prst="rect">
               <a:avLst/>
@@ -4492,8 +4492,8 @@
           </p:nvSpPr>
           <p:spPr>
             <a:xfrm>
-              <a:off x="2081816" y="2979164"/>
-              <a:ext cx="2952377" cy="170824"/>
+              <a:off x="2080073" y="2979223"/>
+              <a:ext cx="2953128" cy="171057"/>
             </a:xfrm>
             <a:prstGeom prst="rect">
               <a:avLst/>
@@ -4518,8 +4518,8 @@
           </p:nvSpPr>
           <p:spPr>
             <a:xfrm>
-              <a:off x="2081816" y="3168969"/>
-              <a:ext cx="2160275" cy="170824"/>
+              <a:off x="2080073" y="3169287"/>
+              <a:ext cx="2160825" cy="171057"/>
             </a:xfrm>
             <a:prstGeom prst="rect">
               <a:avLst/>
@@ -4544,8 +4544,8 @@
           </p:nvSpPr>
           <p:spPr>
             <a:xfrm>
-              <a:off x="2081816" y="3358774"/>
-              <a:ext cx="1632208" cy="170824"/>
+              <a:off x="2080073" y="3359351"/>
+              <a:ext cx="1632623" cy="171057"/>
             </a:xfrm>
             <a:prstGeom prst="rect">
               <a:avLst/>
@@ -4570,8 +4570,8 @@
           </p:nvSpPr>
           <p:spPr>
             <a:xfrm>
-              <a:off x="2081816" y="3548579"/>
-              <a:ext cx="1608205" cy="170824"/>
+              <a:off x="2080073" y="3549415"/>
+              <a:ext cx="1608614" cy="171057"/>
             </a:xfrm>
             <a:prstGeom prst="rect">
               <a:avLst/>
@@ -4596,8 +4596,8 @@
           </p:nvSpPr>
           <p:spPr>
             <a:xfrm>
-              <a:off x="2081816" y="3738384"/>
-              <a:ext cx="1440183" cy="170824"/>
+              <a:off x="2080073" y="3739479"/>
+              <a:ext cx="1440550" cy="171057"/>
             </a:xfrm>
             <a:prstGeom prst="rect">
               <a:avLst/>
@@ -4622,8 +4622,8 @@
           </p:nvSpPr>
           <p:spPr>
             <a:xfrm>
-              <a:off x="2081816" y="3928190"/>
-              <a:ext cx="1344171" cy="170824"/>
+              <a:off x="2080073" y="3929543"/>
+              <a:ext cx="1344513" cy="171057"/>
             </a:xfrm>
             <a:prstGeom prst="rect">
               <a:avLst/>
@@ -4648,8 +4648,8 @@
           </p:nvSpPr>
           <p:spPr>
             <a:xfrm>
-              <a:off x="2081816" y="4117995"/>
-              <a:ext cx="1248159" cy="170824"/>
+              <a:off x="2080073" y="4119607"/>
+              <a:ext cx="1248476" cy="171057"/>
             </a:xfrm>
             <a:prstGeom prst="rect">
               <a:avLst/>
@@ -4674,8 +4674,8 @@
           </p:nvSpPr>
           <p:spPr>
             <a:xfrm>
-              <a:off x="2081816" y="4307800"/>
-              <a:ext cx="1176150" cy="170824"/>
+              <a:off x="2080073" y="4309671"/>
+              <a:ext cx="1176449" cy="171057"/>
             </a:xfrm>
             <a:prstGeom prst="rect">
               <a:avLst/>
@@ -4700,8 +4700,8 @@
           </p:nvSpPr>
           <p:spPr>
             <a:xfrm>
-              <a:off x="2081816" y="4497605"/>
-              <a:ext cx="1152147" cy="170824"/>
+              <a:off x="2080073" y="4499735"/>
+              <a:ext cx="1152440" cy="171057"/>
             </a:xfrm>
             <a:prstGeom prst="rect">
               <a:avLst/>
@@ -4726,8 +4726,8 @@
           </p:nvSpPr>
           <p:spPr>
             <a:xfrm>
-              <a:off x="2081816" y="4687410"/>
-              <a:ext cx="1056134" cy="170824"/>
+              <a:off x="2080073" y="4689800"/>
+              <a:ext cx="1056403" cy="171057"/>
             </a:xfrm>
             <a:prstGeom prst="rect">
               <a:avLst/>
@@ -4752,8 +4752,8 @@
           </p:nvSpPr>
           <p:spPr>
             <a:xfrm>
-              <a:off x="2081816" y="4877215"/>
-              <a:ext cx="1032131" cy="170824"/>
+              <a:off x="2080073" y="4879864"/>
+              <a:ext cx="1032394" cy="171057"/>
             </a:xfrm>
             <a:prstGeom prst="rect">
               <a:avLst/>
@@ -4778,8 +4778,8 @@
           </p:nvSpPr>
           <p:spPr>
             <a:xfrm>
-              <a:off x="2081816" y="5067020"/>
-              <a:ext cx="1008128" cy="170824"/>
+              <a:off x="2080073" y="5069928"/>
+              <a:ext cx="1008385" cy="171057"/>
             </a:xfrm>
             <a:prstGeom prst="rect">
               <a:avLst/>
@@ -4804,8 +4804,8 @@
           </p:nvSpPr>
           <p:spPr>
             <a:xfrm>
-              <a:off x="2081816" y="5256826"/>
-              <a:ext cx="696088" cy="170824"/>
+              <a:off x="2080073" y="5259992"/>
+              <a:ext cx="696265" cy="171057"/>
             </a:xfrm>
             <a:prstGeom prst="rect">
               <a:avLst/>
@@ -4830,8 +4830,8 @@
           </p:nvSpPr>
           <p:spPr>
             <a:xfrm>
-              <a:off x="2081816" y="5446631"/>
-              <a:ext cx="3312423" cy="170824"/>
+              <a:off x="2080073" y="5450056"/>
+              <a:ext cx="3313265" cy="171057"/>
             </a:xfrm>
             <a:prstGeom prst="rect">
               <a:avLst/>
@@ -4856,7 +4856,7 @@
           </p:nvSpPr>
           <p:spPr>
             <a:xfrm>
-              <a:off x="8443715" y="1862158"/>
+              <a:off x="8443642" y="1860780"/>
               <a:ext cx="92313" cy="91043"/>
             </a:xfrm>
             <a:custGeom>
@@ -4923,7 +4923,7 @@
           </p:nvSpPr>
           <p:spPr>
             <a:xfrm>
-              <a:off x="8552967" y="1861311"/>
+              <a:off x="8552894" y="1859933"/>
               <a:ext cx="22866" cy="19479"/>
             </a:xfrm>
             <a:custGeom>
@@ -5020,7 +5020,7 @@
           </p:nvSpPr>
           <p:spPr>
             <a:xfrm>
-              <a:off x="8548732" y="1887565"/>
+              <a:off x="8548660" y="1886187"/>
               <a:ext cx="21596" cy="17785"/>
             </a:xfrm>
             <a:custGeom>
@@ -5117,7 +5117,7 @@
           </p:nvSpPr>
           <p:spPr>
             <a:xfrm>
-              <a:off x="8548309" y="1914243"/>
+              <a:off x="8548236" y="1912865"/>
               <a:ext cx="23290" cy="43616"/>
             </a:xfrm>
             <a:custGeom>
@@ -5214,7 +5214,7 @@
           </p:nvSpPr>
           <p:spPr>
             <a:xfrm>
-              <a:off x="8573293" y="1860041"/>
+              <a:off x="8573220" y="1858663"/>
               <a:ext cx="69446" cy="33029"/>
             </a:xfrm>
             <a:custGeom>
@@ -5350,7 +5350,7 @@
           </p:nvSpPr>
           <p:spPr>
             <a:xfrm>
-              <a:off x="8575833" y="1886295"/>
+              <a:off x="8575761" y="1884917"/>
               <a:ext cx="71564" cy="71564"/>
             </a:xfrm>
             <a:custGeom>
@@ -5630,7 +5630,7 @@
           </p:nvSpPr>
           <p:spPr>
             <a:xfrm>
-              <a:off x="8594889" y="1893494"/>
+              <a:off x="8594816" y="1892116"/>
               <a:ext cx="35570" cy="17361"/>
             </a:xfrm>
             <a:custGeom>
@@ -5727,7 +5727,7 @@
           </p:nvSpPr>
           <p:spPr>
             <a:xfrm>
-              <a:off x="8604205" y="1895611"/>
+              <a:off x="8604132" y="1894233"/>
               <a:ext cx="14820" cy="13550"/>
             </a:xfrm>
             <a:custGeom>
@@ -5824,7 +5824,7 @@
           </p:nvSpPr>
           <p:spPr>
             <a:xfrm>
-              <a:off x="8591078" y="1918478"/>
+              <a:off x="8591005" y="1917100"/>
               <a:ext cx="38534" cy="17361"/>
             </a:xfrm>
             <a:custGeom>
@@ -5894,7 +5894,7 @@
           </p:nvSpPr>
           <p:spPr>
             <a:xfrm>
-              <a:off x="8603358" y="1920171"/>
+              <a:off x="8603285" y="1918793"/>
               <a:ext cx="15244" cy="13974"/>
             </a:xfrm>
             <a:custGeom>
@@ -5991,7 +5991,7 @@
           </p:nvSpPr>
           <p:spPr>
             <a:xfrm>
-              <a:off x="7285907" y="2051963"/>
+              <a:off x="7285529" y="2050844"/>
               <a:ext cx="52085" cy="95277"/>
             </a:xfrm>
             <a:custGeom>
@@ -6235,7 +6235,7 @@
           </p:nvSpPr>
           <p:spPr>
             <a:xfrm>
-              <a:off x="7242291" y="2051963"/>
+              <a:off x="7241913" y="2050844"/>
               <a:ext cx="19902" cy="18632"/>
             </a:xfrm>
             <a:custGeom>
@@ -6332,7 +6332,7 @@
           </p:nvSpPr>
           <p:spPr>
             <a:xfrm>
-              <a:off x="7239750" y="2077370"/>
+              <a:off x="7239373" y="2076251"/>
               <a:ext cx="20325" cy="18632"/>
             </a:xfrm>
             <a:custGeom>
@@ -6429,7 +6429,7 @@
           </p:nvSpPr>
           <p:spPr>
             <a:xfrm>
-              <a:off x="7239750" y="2105742"/>
+              <a:off x="7239373" y="2104623"/>
               <a:ext cx="20749" cy="42345"/>
             </a:xfrm>
             <a:custGeom>
@@ -6526,7 +6526,7 @@
           </p:nvSpPr>
           <p:spPr>
             <a:xfrm>
-              <a:off x="7262193" y="2050269"/>
+              <a:off x="7261816" y="2049150"/>
               <a:ext cx="30912" cy="96971"/>
             </a:xfrm>
             <a:custGeom>
@@ -6872,7 +6872,7 @@
           </p:nvSpPr>
           <p:spPr>
             <a:xfrm>
-              <a:off x="7352813" y="2051116"/>
+              <a:off x="7352436" y="2049997"/>
               <a:ext cx="20749" cy="16938"/>
             </a:xfrm>
             <a:custGeom>
@@ -6969,7 +6969,7 @@
           </p:nvSpPr>
           <p:spPr>
             <a:xfrm>
-              <a:off x="7348579" y="2077370"/>
+              <a:off x="7348201" y="2076251"/>
               <a:ext cx="21596" cy="17785"/>
             </a:xfrm>
             <a:custGeom>
@@ -7066,7 +7066,7 @@
           </p:nvSpPr>
           <p:spPr>
             <a:xfrm>
-              <a:off x="7349426" y="2103201"/>
+              <a:off x="7349048" y="2102082"/>
               <a:ext cx="27101" cy="44039"/>
             </a:xfrm>
             <a:custGeom>
@@ -7163,7 +7163,7 @@
           </p:nvSpPr>
           <p:spPr>
             <a:xfrm>
-              <a:off x="7379491" y="2056198"/>
+              <a:off x="7379113" y="2055078"/>
               <a:ext cx="67329" cy="88079"/>
             </a:xfrm>
             <a:custGeom>
@@ -7230,7 +7230,7 @@
           </p:nvSpPr>
           <p:spPr>
             <a:xfrm>
-              <a:off x="6476310" y="2240921"/>
+              <a:off x="6475737" y="2240061"/>
               <a:ext cx="20749" cy="16938"/>
             </a:xfrm>
             <a:custGeom>
@@ -7327,7 +7327,7 @@
           </p:nvSpPr>
           <p:spPr>
             <a:xfrm>
-              <a:off x="6472076" y="2267176"/>
+              <a:off x="6471503" y="2266315"/>
               <a:ext cx="21596" cy="17785"/>
             </a:xfrm>
             <a:custGeom>
@@ -7424,7 +7424,7 @@
           </p:nvSpPr>
           <p:spPr>
             <a:xfrm>
-              <a:off x="6472923" y="2293006"/>
+              <a:off x="6472349" y="2292146"/>
               <a:ext cx="27101" cy="44039"/>
             </a:xfrm>
             <a:custGeom>
@@ -7521,7 +7521,7 @@
           </p:nvSpPr>
           <p:spPr>
             <a:xfrm>
-              <a:off x="6502988" y="2246003"/>
+              <a:off x="6502415" y="2245143"/>
               <a:ext cx="67329" cy="88079"/>
             </a:xfrm>
             <a:custGeom>
@@ -7588,7 +7588,7 @@
           </p:nvSpPr>
           <p:spPr>
             <a:xfrm>
-              <a:off x="6581751" y="2240074"/>
+              <a:off x="6581178" y="2239214"/>
               <a:ext cx="95277" cy="32182"/>
             </a:xfrm>
             <a:custGeom>
@@ -7679,7 +7679,7 @@
           </p:nvSpPr>
           <p:spPr>
             <a:xfrm>
-              <a:off x="6580904" y="2270140"/>
+              <a:off x="6580331" y="2269280"/>
               <a:ext cx="79609" cy="67329"/>
             </a:xfrm>
             <a:custGeom>
@@ -8064,7 +8064,7 @@
           </p:nvSpPr>
           <p:spPr>
             <a:xfrm>
-              <a:off x="6661361" y="2294277"/>
+              <a:off x="6660788" y="2293417"/>
               <a:ext cx="17361" cy="25830"/>
             </a:xfrm>
             <a:custGeom>
@@ -8161,7 +8161,7 @@
           </p:nvSpPr>
           <p:spPr>
             <a:xfrm>
-              <a:off x="6580904" y="2296394"/>
+              <a:off x="6580331" y="2295534"/>
               <a:ext cx="19902" cy="22866"/>
             </a:xfrm>
             <a:custGeom>
@@ -8258,7 +8258,7 @@
           </p:nvSpPr>
           <p:spPr>
             <a:xfrm>
-              <a:off x="5680821" y="2430726"/>
+              <a:off x="5680047" y="2430125"/>
               <a:ext cx="38111" cy="95277"/>
             </a:xfrm>
             <a:custGeom>
@@ -8379,7 +8379,7 @@
           </p:nvSpPr>
           <p:spPr>
             <a:xfrm>
-              <a:off x="5735447" y="2430726"/>
+              <a:off x="5734673" y="2430125"/>
               <a:ext cx="42769" cy="93584"/>
             </a:xfrm>
             <a:custGeom>
@@ -8788,7 +8788,7 @@
           </p:nvSpPr>
           <p:spPr>
             <a:xfrm>
-              <a:off x="5789226" y="2429456"/>
+              <a:off x="5788452" y="2428855"/>
               <a:ext cx="96548" cy="19055"/>
             </a:xfrm>
             <a:custGeom>
@@ -8897,7 +8897,7 @@
           </p:nvSpPr>
           <p:spPr>
             <a:xfrm>
-              <a:off x="5801930" y="2456557"/>
+              <a:off x="5801155" y="2455956"/>
               <a:ext cx="69023" cy="70717"/>
             </a:xfrm>
             <a:custGeom>
@@ -9102,7 +9102,7 @@
           </p:nvSpPr>
           <p:spPr>
             <a:xfrm>
-              <a:off x="5810399" y="2464603"/>
+              <a:off x="5809625" y="2464002"/>
               <a:ext cx="52085" cy="16514"/>
             </a:xfrm>
             <a:custGeom>
@@ -9145,7 +9145,7 @@
           </p:nvSpPr>
           <p:spPr>
             <a:xfrm>
-              <a:off x="5788803" y="2492975"/>
+              <a:off x="5788028" y="2492373"/>
               <a:ext cx="33453" cy="30065"/>
             </a:xfrm>
             <a:custGeom>
@@ -9242,7 +9242,7 @@
           </p:nvSpPr>
           <p:spPr>
             <a:xfrm>
-              <a:off x="5851051" y="2492975"/>
+              <a:off x="5850277" y="2492373"/>
               <a:ext cx="32606" cy="30065"/>
             </a:xfrm>
             <a:custGeom>
@@ -9339,7 +9339,7 @@
           </p:nvSpPr>
           <p:spPr>
             <a:xfrm>
-              <a:off x="5296772" y="2621378"/>
+              <a:off x="5295900" y="2621036"/>
               <a:ext cx="96124" cy="92737"/>
             </a:xfrm>
             <a:custGeom>
@@ -9532,7 +9532,7 @@
           </p:nvSpPr>
           <p:spPr>
             <a:xfrm>
-              <a:off x="5313287" y="2658219"/>
+              <a:off x="5312415" y="2657877"/>
               <a:ext cx="27101" cy="6775"/>
             </a:xfrm>
             <a:custGeom>
@@ -9575,7 +9575,7 @@
           </p:nvSpPr>
           <p:spPr>
             <a:xfrm>
-              <a:off x="5348857" y="2658219"/>
+              <a:off x="5347985" y="2657877"/>
               <a:ext cx="27101" cy="6775"/>
             </a:xfrm>
             <a:custGeom>
@@ -9618,7 +9618,7 @@
           </p:nvSpPr>
           <p:spPr>
             <a:xfrm>
-              <a:off x="5313287" y="2672193"/>
+              <a:off x="5312415" y="2671851"/>
               <a:ext cx="27101" cy="6775"/>
             </a:xfrm>
             <a:custGeom>
@@ -9661,7 +9661,7 @@
           </p:nvSpPr>
           <p:spPr>
             <a:xfrm>
-              <a:off x="5348857" y="2672193"/>
+              <a:off x="5347985" y="2671851"/>
               <a:ext cx="27101" cy="6775"/>
             </a:xfrm>
             <a:custGeom>
@@ -9704,7 +9704,7 @@
           </p:nvSpPr>
           <p:spPr>
             <a:xfrm>
-              <a:off x="5423386" y="2640434"/>
+              <a:off x="5422514" y="2640092"/>
               <a:ext cx="77069" cy="76222"/>
             </a:xfrm>
             <a:custGeom>
@@ -9888,7 +9888,7 @@
           </p:nvSpPr>
           <p:spPr>
             <a:xfrm>
-              <a:off x="5403483" y="2619261"/>
+              <a:off x="5402611" y="2618919"/>
               <a:ext cx="96124" cy="97818"/>
             </a:xfrm>
             <a:custGeom>
@@ -10093,7 +10093,7 @@
           </p:nvSpPr>
           <p:spPr>
             <a:xfrm>
-              <a:off x="5500374" y="2824406"/>
+              <a:off x="5499493" y="2824323"/>
               <a:ext cx="35570" cy="84691"/>
             </a:xfrm>
             <a:custGeom>
@@ -10178,7 +10178,7 @@
           </p:nvSpPr>
           <p:spPr>
             <a:xfrm>
-              <a:off x="5510537" y="2875221"/>
+              <a:off x="5509656" y="2875138"/>
               <a:ext cx="13974" cy="19902"/>
             </a:xfrm>
             <a:custGeom>
@@ -10221,7 +10221,7 @@
           </p:nvSpPr>
           <p:spPr>
             <a:xfrm>
-              <a:off x="5528746" y="2826947"/>
+              <a:off x="5527865" y="2826863"/>
               <a:ext cx="43616" cy="94430"/>
             </a:xfrm>
             <a:custGeom>
@@ -10483,7 +10483,7 @@
           </p:nvSpPr>
           <p:spPr>
             <a:xfrm>
-              <a:off x="5547378" y="2834992"/>
+              <a:off x="5546497" y="2834909"/>
               <a:ext cx="16514" cy="16938"/>
             </a:xfrm>
             <a:custGeom>
@@ -10526,7 +10526,7 @@
           </p:nvSpPr>
           <p:spPr>
             <a:xfrm>
-              <a:off x="5547378" y="2859553"/>
+              <a:off x="5546497" y="2859470"/>
               <a:ext cx="16514" cy="17361"/>
             </a:xfrm>
             <a:custGeom>
@@ -10569,7 +10569,7 @@
           </p:nvSpPr>
           <p:spPr>
             <a:xfrm>
-              <a:off x="5480048" y="2826100"/>
+              <a:off x="5479167" y="2826016"/>
               <a:ext cx="19902" cy="18632"/>
             </a:xfrm>
             <a:custGeom>
@@ -10666,7 +10666,7 @@
           </p:nvSpPr>
           <p:spPr>
             <a:xfrm>
-              <a:off x="5477507" y="2851507"/>
+              <a:off x="5476626" y="2851424"/>
               <a:ext cx="20325" cy="18632"/>
             </a:xfrm>
             <a:custGeom>
@@ -10763,7 +10763,7 @@
           </p:nvSpPr>
           <p:spPr>
             <a:xfrm>
-              <a:off x="5477507" y="2879879"/>
+              <a:off x="5476626" y="2879796"/>
               <a:ext cx="20749" cy="42345"/>
             </a:xfrm>
             <a:custGeom>
@@ -10860,7 +10860,7 @@
           </p:nvSpPr>
           <p:spPr>
             <a:xfrm>
-              <a:off x="5586759" y="2824406"/>
+              <a:off x="5585878" y="2824323"/>
               <a:ext cx="97395" cy="97395"/>
             </a:xfrm>
             <a:custGeom>
@@ -11101,7 +11101,7 @@
           </p:nvSpPr>
           <p:spPr>
             <a:xfrm>
-              <a:off x="5604545" y="2862094"/>
+              <a:off x="5603663" y="2862010"/>
               <a:ext cx="60977" cy="55049"/>
             </a:xfrm>
             <a:custGeom>
@@ -11312,7 +11312,7 @@
           </p:nvSpPr>
           <p:spPr>
             <a:xfrm>
-              <a:off x="5197516" y="3014635"/>
+              <a:off x="5196562" y="3014810"/>
               <a:ext cx="81727" cy="97818"/>
             </a:xfrm>
             <a:custGeom>
@@ -11385,7 +11385,7 @@
           </p:nvSpPr>
           <p:spPr>
             <a:xfrm>
-              <a:off x="5301263" y="3014211"/>
+              <a:off x="5300309" y="3014387"/>
               <a:ext cx="91890" cy="96971"/>
             </a:xfrm>
             <a:custGeom>
@@ -11716,7 +11716,7 @@
           </p:nvSpPr>
           <p:spPr>
             <a:xfrm>
-              <a:off x="5366052" y="3076036"/>
+              <a:off x="5365098" y="3076211"/>
               <a:ext cx="30488" cy="31335"/>
             </a:xfrm>
             <a:custGeom>
@@ -11813,7 +11813,7 @@
           </p:nvSpPr>
           <p:spPr>
             <a:xfrm>
-              <a:off x="5300416" y="3076459"/>
+              <a:off x="5299462" y="3076635"/>
               <a:ext cx="31759" cy="30912"/>
             </a:xfrm>
             <a:custGeom>
@@ -11910,7 +11910,7 @@
           </p:nvSpPr>
           <p:spPr>
             <a:xfrm>
-              <a:off x="4420236" y="3204016"/>
+              <a:off x="4419080" y="3204451"/>
               <a:ext cx="35570" cy="84691"/>
             </a:xfrm>
             <a:custGeom>
@@ -11995,7 +11995,7 @@
           </p:nvSpPr>
           <p:spPr>
             <a:xfrm>
-              <a:off x="4430399" y="3254831"/>
+              <a:off x="4429243" y="3255266"/>
               <a:ext cx="13974" cy="19902"/>
             </a:xfrm>
             <a:custGeom>
@@ -12038,7 +12038,7 @@
           </p:nvSpPr>
           <p:spPr>
             <a:xfrm>
-              <a:off x="4448608" y="3206557"/>
+              <a:off x="4447452" y="3206992"/>
               <a:ext cx="43616" cy="94430"/>
             </a:xfrm>
             <a:custGeom>
@@ -12300,7 +12300,7 @@
           </p:nvSpPr>
           <p:spPr>
             <a:xfrm>
-              <a:off x="4467240" y="3214603"/>
+              <a:off x="4466084" y="3215037"/>
               <a:ext cx="16514" cy="16938"/>
             </a:xfrm>
             <a:custGeom>
@@ -12343,7 +12343,7 @@
           </p:nvSpPr>
           <p:spPr>
             <a:xfrm>
-              <a:off x="4467240" y="3239163"/>
+              <a:off x="4466084" y="3239598"/>
               <a:ext cx="16514" cy="17361"/>
             </a:xfrm>
             <a:custGeom>
@@ -12386,7 +12386,7 @@
           </p:nvSpPr>
           <p:spPr>
             <a:xfrm>
-              <a:off x="4399910" y="3205710"/>
+              <a:off x="4398754" y="3206145"/>
               <a:ext cx="19902" cy="18632"/>
             </a:xfrm>
             <a:custGeom>
@@ -12483,7 +12483,7 @@
           </p:nvSpPr>
           <p:spPr>
             <a:xfrm>
-              <a:off x="4397369" y="3231118"/>
+              <a:off x="4396214" y="3231552"/>
               <a:ext cx="20325" cy="18632"/>
             </a:xfrm>
             <a:custGeom>
@@ -12580,7 +12580,7 @@
           </p:nvSpPr>
           <p:spPr>
             <a:xfrm>
-              <a:off x="4397369" y="3259489"/>
+              <a:off x="4396214" y="3259924"/>
               <a:ext cx="20749" cy="42345"/>
             </a:xfrm>
             <a:custGeom>
@@ -12677,7 +12677,7 @@
           </p:nvSpPr>
           <p:spPr>
             <a:xfrm>
-              <a:off x="4507045" y="3204863"/>
+              <a:off x="4505889" y="3205298"/>
               <a:ext cx="38111" cy="95277"/>
             </a:xfrm>
             <a:custGeom>
@@ -12798,7 +12798,7 @@
           </p:nvSpPr>
           <p:spPr>
             <a:xfrm>
-              <a:off x="4561671" y="3204863"/>
+              <a:off x="4560515" y="3205298"/>
               <a:ext cx="42769" cy="93584"/>
             </a:xfrm>
             <a:custGeom>
@@ -13207,7 +13207,7 @@
           </p:nvSpPr>
           <p:spPr>
             <a:xfrm>
-              <a:off x="3870149" y="3393821"/>
+              <a:off x="3868859" y="3394515"/>
               <a:ext cx="97395" cy="97395"/>
             </a:xfrm>
             <a:custGeom>
@@ -13298,7 +13298,7 @@
           </p:nvSpPr>
           <p:spPr>
             <a:xfrm>
-              <a:off x="3896403" y="3419652"/>
+              <a:off x="3895113" y="3420346"/>
               <a:ext cx="44039" cy="23713"/>
             </a:xfrm>
             <a:custGeom>
@@ -13341,7 +13341,7 @@
           </p:nvSpPr>
           <p:spPr>
             <a:xfrm>
-              <a:off x="3896403" y="3451412"/>
+              <a:off x="3895113" y="3452105"/>
               <a:ext cx="44039" cy="23713"/>
             </a:xfrm>
             <a:custGeom>
@@ -13384,7 +13384,7 @@
           </p:nvSpPr>
           <p:spPr>
             <a:xfrm>
-              <a:off x="3978977" y="3393821"/>
+              <a:off x="3977687" y="3394515"/>
               <a:ext cx="96971" cy="97395"/>
             </a:xfrm>
             <a:custGeom>
@@ -13487,7 +13487,7 @@
           </p:nvSpPr>
           <p:spPr>
             <a:xfrm>
-              <a:off x="4030639" y="3409066"/>
+              <a:off x="4029349" y="3409759"/>
               <a:ext cx="24137" cy="8892"/>
             </a:xfrm>
             <a:custGeom>
@@ -13530,7 +13530,7 @@
           </p:nvSpPr>
           <p:spPr>
             <a:xfrm>
-              <a:off x="4030639" y="3426004"/>
+              <a:off x="4029349" y="3426698"/>
               <a:ext cx="24137" cy="9316"/>
             </a:xfrm>
             <a:custGeom>
@@ -13573,7 +13573,7 @@
           </p:nvSpPr>
           <p:spPr>
             <a:xfrm>
-              <a:off x="3978554" y="3449294"/>
+              <a:off x="3977264" y="3449988"/>
               <a:ext cx="17785" cy="42769"/>
             </a:xfrm>
             <a:custGeom>
@@ -13676,7 +13676,7 @@
           </p:nvSpPr>
           <p:spPr>
             <a:xfrm>
-              <a:off x="4057317" y="3449294"/>
+              <a:off x="4056027" y="3449988"/>
               <a:ext cx="8469" cy="41922"/>
             </a:xfrm>
             <a:custGeom>
@@ -13719,7 +13719,7 @@
           </p:nvSpPr>
           <p:spPr>
             <a:xfrm>
-              <a:off x="4034874" y="3452259"/>
+              <a:off x="4033584" y="3452952"/>
               <a:ext cx="17361" cy="26677"/>
             </a:xfrm>
             <a:custGeom>
@@ -13816,7 +13816,7 @@
           </p:nvSpPr>
           <p:spPr>
             <a:xfrm>
-              <a:off x="4000150" y="3453105"/>
+              <a:off x="3998860" y="3453799"/>
               <a:ext cx="16091" cy="27948"/>
             </a:xfrm>
             <a:custGeom>
@@ -13913,7 +13913,7 @@
           </p:nvSpPr>
           <p:spPr>
             <a:xfrm>
-              <a:off x="3844452" y="3583203"/>
+              <a:off x="3843156" y="3584156"/>
               <a:ext cx="96548" cy="98242"/>
             </a:xfrm>
             <a:custGeom>
@@ -14118,7 +14118,7 @@
           </p:nvSpPr>
           <p:spPr>
             <a:xfrm>
-              <a:off x="3957092" y="3583627"/>
+              <a:off x="3955795" y="3584579"/>
               <a:ext cx="91890" cy="96971"/>
             </a:xfrm>
             <a:custGeom>
@@ -14449,7 +14449,7 @@
           </p:nvSpPr>
           <p:spPr>
             <a:xfrm>
-              <a:off x="4021881" y="3645451"/>
+              <a:off x="4020584" y="3646404"/>
               <a:ext cx="30488" cy="31335"/>
             </a:xfrm>
             <a:custGeom>
@@ -14546,7 +14546,7 @@
           </p:nvSpPr>
           <p:spPr>
             <a:xfrm>
-              <a:off x="3956245" y="3645875"/>
+              <a:off x="3954948" y="3646827"/>
               <a:ext cx="31759" cy="30912"/>
             </a:xfrm>
             <a:custGeom>
@@ -14643,7 +14643,7 @@
           </p:nvSpPr>
           <p:spPr>
             <a:xfrm>
-              <a:off x="3681935" y="3774279"/>
+              <a:off x="3680597" y="3775490"/>
               <a:ext cx="20749" cy="16938"/>
             </a:xfrm>
             <a:custGeom>
@@ -14740,7 +14740,7 @@
           </p:nvSpPr>
           <p:spPr>
             <a:xfrm>
-              <a:off x="3677701" y="3800533"/>
+              <a:off x="3676362" y="3801744"/>
               <a:ext cx="21596" cy="17785"/>
             </a:xfrm>
             <a:custGeom>
@@ -14837,7 +14837,7 @@
           </p:nvSpPr>
           <p:spPr>
             <a:xfrm>
-              <a:off x="3678548" y="3826364"/>
+              <a:off x="3677209" y="3827575"/>
               <a:ext cx="27101" cy="44039"/>
             </a:xfrm>
             <a:custGeom>
@@ -14934,7 +14934,7 @@
           </p:nvSpPr>
           <p:spPr>
             <a:xfrm>
-              <a:off x="3708613" y="3779360"/>
+              <a:off x="3707274" y="3780571"/>
               <a:ext cx="67329" cy="88079"/>
             </a:xfrm>
             <a:custGeom>
@@ -15001,7 +15001,7 @@
           </p:nvSpPr>
           <p:spPr>
             <a:xfrm>
-              <a:off x="3787376" y="3776819"/>
+              <a:off x="3786037" y="3778031"/>
               <a:ext cx="95701" cy="94007"/>
             </a:xfrm>
             <a:custGeom>
@@ -15080,7 +15080,7 @@
           </p:nvSpPr>
           <p:spPr>
             <a:xfrm>
-              <a:off x="3828028" y="3784865"/>
+              <a:off x="3826689" y="3786076"/>
               <a:ext cx="14820" cy="17785"/>
             </a:xfrm>
             <a:custGeom>
@@ -15123,7 +15123,7 @@
           </p:nvSpPr>
           <p:spPr>
             <a:xfrm>
-              <a:off x="3801774" y="3810696"/>
+              <a:off x="3800435" y="3811907"/>
               <a:ext cx="66906" cy="44039"/>
             </a:xfrm>
             <a:custGeom>
@@ -15331,7 +15331,7 @@
           </p:nvSpPr>
           <p:spPr>
             <a:xfrm>
-              <a:off x="3851318" y="3810696"/>
+              <a:off x="3849979" y="3811907"/>
               <a:ext cx="17361" cy="19479"/>
             </a:xfrm>
             <a:custGeom>
@@ -15461,7 +15461,7 @@
           </p:nvSpPr>
           <p:spPr>
             <a:xfrm>
-              <a:off x="3584653" y="3962390"/>
+              <a:off x="3583290" y="3963860"/>
               <a:ext cx="92313" cy="29641"/>
             </a:xfrm>
             <a:custGeom>
@@ -15582,7 +15582,7 @@
           </p:nvSpPr>
           <p:spPr>
             <a:xfrm>
-              <a:off x="3583382" y="3985257"/>
+              <a:off x="3582019" y="3986727"/>
               <a:ext cx="94430" cy="75798"/>
             </a:xfrm>
             <a:custGeom>
@@ -15883,7 +15883,7 @@
           </p:nvSpPr>
           <p:spPr>
             <a:xfrm>
-              <a:off x="3610060" y="4011934"/>
+              <a:off x="3608697" y="4013405"/>
               <a:ext cx="37687" cy="22443"/>
             </a:xfrm>
             <a:custGeom>
@@ -16007,7 +16007,7 @@
           </p:nvSpPr>
           <p:spPr>
             <a:xfrm>
-              <a:off x="3690517" y="3963237"/>
+              <a:off x="3689154" y="3964707"/>
               <a:ext cx="24983" cy="31335"/>
             </a:xfrm>
             <a:custGeom>
@@ -16104,7 +16104,7 @@
           </p:nvSpPr>
           <p:spPr>
             <a:xfrm>
-              <a:off x="3689670" y="3991609"/>
+              <a:off x="3688307" y="3993079"/>
               <a:ext cx="27101" cy="69023"/>
             </a:xfrm>
             <a:custGeom>
@@ -16240,7 +16240,7 @@
           </p:nvSpPr>
           <p:spPr>
             <a:xfrm>
-              <a:off x="3753612" y="3962813"/>
+              <a:off x="3752249" y="3964284"/>
               <a:ext cx="35146" cy="98242"/>
             </a:xfrm>
             <a:custGeom>
@@ -16508,7 +16508,7 @@
           </p:nvSpPr>
           <p:spPr>
             <a:xfrm>
-              <a:off x="3767447" y="3989068"/>
+              <a:off x="3766083" y="3990538"/>
               <a:ext cx="9032" cy="27948"/>
             </a:xfrm>
             <a:custGeom>
@@ -16629,7 +16629,7 @@
           </p:nvSpPr>
           <p:spPr>
             <a:xfrm>
-              <a:off x="3718465" y="3963237"/>
+              <a:off x="3717102" y="3964707"/>
               <a:ext cx="36417" cy="25830"/>
             </a:xfrm>
             <a:custGeom>
@@ -16696,7 +16696,7 @@
           </p:nvSpPr>
           <p:spPr>
             <a:xfrm>
-              <a:off x="3714231" y="3994996"/>
+              <a:off x="3712867" y="3996466"/>
               <a:ext cx="44886" cy="64788"/>
             </a:xfrm>
             <a:custGeom>
@@ -17306,7 +17306,7 @@
           </p:nvSpPr>
           <p:spPr>
             <a:xfrm>
-              <a:off x="3743873" y="4037342"/>
+              <a:off x="3742509" y="4038812"/>
               <a:ext cx="11009" cy="12280"/>
             </a:xfrm>
             <a:custGeom>
@@ -17403,7 +17403,7 @@
           </p:nvSpPr>
           <p:spPr>
             <a:xfrm>
-              <a:off x="3713807" y="4037765"/>
+              <a:off x="3712444" y="4039236"/>
               <a:ext cx="13550" cy="16938"/>
             </a:xfrm>
             <a:custGeom>
@@ -17500,7 +17500,7 @@
           </p:nvSpPr>
           <p:spPr>
             <a:xfrm>
-              <a:off x="3486523" y="4158124"/>
+              <a:off x="3485136" y="4159853"/>
               <a:ext cx="96971" cy="92737"/>
             </a:xfrm>
             <a:custGeom>
@@ -17780,7 +17780,7 @@
           </p:nvSpPr>
           <p:spPr>
             <a:xfrm>
-              <a:off x="3598316" y="4153889"/>
+              <a:off x="3596928" y="4155618"/>
               <a:ext cx="22866" cy="19479"/>
             </a:xfrm>
             <a:custGeom>
@@ -17877,7 +17877,7 @@
           </p:nvSpPr>
           <p:spPr>
             <a:xfrm>
-              <a:off x="3594081" y="4180143"/>
+              <a:off x="3592694" y="4181872"/>
               <a:ext cx="21596" cy="17785"/>
             </a:xfrm>
             <a:custGeom>
@@ -17974,7 +17974,7 @@
           </p:nvSpPr>
           <p:spPr>
             <a:xfrm>
-              <a:off x="3593658" y="4206821"/>
+              <a:off x="3592270" y="4208550"/>
               <a:ext cx="23290" cy="43616"/>
             </a:xfrm>
             <a:custGeom>
@@ -18071,7 +18071,7 @@
           </p:nvSpPr>
           <p:spPr>
             <a:xfrm>
-              <a:off x="3618218" y="4152619"/>
+              <a:off x="3616831" y="4154348"/>
               <a:ext cx="74951" cy="97818"/>
             </a:xfrm>
             <a:custGeom>
@@ -18222,7 +18222,7 @@
           </p:nvSpPr>
           <p:spPr>
             <a:xfrm>
-              <a:off x="3658023" y="4169133"/>
+              <a:off x="3656636" y="4170863"/>
               <a:ext cx="18208" cy="8469"/>
             </a:xfrm>
             <a:custGeom>
@@ -18265,7 +18265,7 @@
           </p:nvSpPr>
           <p:spPr>
             <a:xfrm>
-              <a:off x="3658023" y="4184801"/>
+              <a:off x="3656636" y="4186531"/>
               <a:ext cx="18208" cy="8892"/>
             </a:xfrm>
             <a:custGeom>
@@ -18308,7 +18308,7 @@
           </p:nvSpPr>
           <p:spPr>
             <a:xfrm>
-              <a:off x="3418325" y="4346235"/>
+              <a:off x="3416919" y="4348223"/>
               <a:ext cx="88925" cy="94007"/>
             </a:xfrm>
             <a:custGeom>
@@ -18363,7 +18363,7 @@
           </p:nvSpPr>
           <p:spPr>
             <a:xfrm>
-              <a:off x="3426794" y="4354281"/>
+              <a:off x="3425388" y="4356269"/>
               <a:ext cx="71987" cy="71987"/>
             </a:xfrm>
             <a:custGeom>
@@ -18406,7 +18406,7 @@
           </p:nvSpPr>
           <p:spPr>
             <a:xfrm>
-              <a:off x="3428488" y="4350469"/>
+              <a:off x="3427082" y="4352458"/>
               <a:ext cx="25407" cy="66059"/>
             </a:xfrm>
             <a:custGeom>
@@ -18563,7 +18563,7 @@
           </p:nvSpPr>
           <p:spPr>
             <a:xfrm>
-              <a:off x="3469140" y="4350469"/>
+              <a:off x="3467734" y="4352458"/>
               <a:ext cx="24137" cy="59283"/>
             </a:xfrm>
             <a:custGeom>
@@ -18786,7 +18786,7 @@
           </p:nvSpPr>
           <p:spPr>
             <a:xfrm>
-              <a:off x="3601682" y="4344964"/>
+              <a:off x="3600276" y="4346953"/>
               <a:ext cx="8469" cy="94007"/>
             </a:xfrm>
             <a:custGeom>
@@ -18829,7 +18829,7 @@
           </p:nvSpPr>
           <p:spPr>
             <a:xfrm>
-              <a:off x="3522919" y="4347082"/>
+              <a:off x="3521513" y="4349070"/>
               <a:ext cx="21596" cy="92737"/>
             </a:xfrm>
             <a:custGeom>
@@ -18932,7 +18932,7 @@
           </p:nvSpPr>
           <p:spPr>
             <a:xfrm>
-              <a:off x="3568229" y="4349623"/>
+              <a:off x="3566823" y="4351611"/>
               <a:ext cx="8469" cy="78339"/>
             </a:xfrm>
             <a:custGeom>
@@ -18975,7 +18975,7 @@
           </p:nvSpPr>
           <p:spPr>
             <a:xfrm>
-              <a:off x="3391358" y="4531805"/>
+              <a:off x="3389946" y="4534053"/>
               <a:ext cx="49967" cy="98242"/>
             </a:xfrm>
             <a:custGeom>
@@ -19348,7 +19348,7 @@
           </p:nvSpPr>
           <p:spPr>
             <a:xfrm>
-              <a:off x="3408296" y="4549167"/>
+              <a:off x="3406884" y="4551414"/>
               <a:ext cx="18632" cy="17361"/>
             </a:xfrm>
             <a:custGeom>
@@ -19445,7 +19445,7 @@
           </p:nvSpPr>
           <p:spPr>
             <a:xfrm>
-              <a:off x="3389241" y="4596171"/>
+              <a:off x="3387828" y="4598418"/>
               <a:ext cx="19055" cy="23290"/>
             </a:xfrm>
             <a:custGeom>
@@ -19542,7 +19542,7 @@
           </p:nvSpPr>
           <p:spPr>
             <a:xfrm>
-              <a:off x="3423117" y="4596594"/>
+              <a:off x="3421705" y="4598841"/>
               <a:ext cx="16091" cy="18208"/>
             </a:xfrm>
             <a:custGeom>
@@ -19639,7 +19639,7 @@
           </p:nvSpPr>
           <p:spPr>
             <a:xfrm>
-              <a:off x="3435397" y="4534346"/>
+              <a:off x="3433985" y="4536593"/>
               <a:ext cx="52085" cy="95277"/>
             </a:xfrm>
             <a:custGeom>
@@ -19883,7 +19883,7 @@
           </p:nvSpPr>
           <p:spPr>
             <a:xfrm>
-              <a:off x="3537874" y="4535617"/>
+              <a:off x="3536462" y="4537864"/>
               <a:ext cx="56319" cy="6351"/>
             </a:xfrm>
             <a:custGeom>
@@ -19926,7 +19926,7 @@
           </p:nvSpPr>
           <p:spPr>
             <a:xfrm>
-              <a:off x="3540415" y="4546626"/>
+              <a:off x="3539003" y="4548873"/>
               <a:ext cx="49967" cy="27101"/>
             </a:xfrm>
             <a:custGeom>
@@ -19969,7 +19969,7 @@
           </p:nvSpPr>
           <p:spPr>
             <a:xfrm>
-              <a:off x="3548037" y="4552978"/>
+              <a:off x="3546625" y="4555225"/>
               <a:ext cx="13550" cy="4234"/>
             </a:xfrm>
             <a:custGeom>
@@ -20012,7 +20012,7 @@
           </p:nvSpPr>
           <p:spPr>
             <a:xfrm>
-              <a:off x="3569210" y="4552978"/>
+              <a:off x="3567798" y="4555225"/>
               <a:ext cx="13550" cy="4234"/>
             </a:xfrm>
             <a:custGeom>
@@ -20055,7 +20055,7 @@
           </p:nvSpPr>
           <p:spPr>
             <a:xfrm>
-              <a:off x="3548037" y="4563141"/>
+              <a:off x="3546625" y="4565388"/>
               <a:ext cx="13550" cy="4658"/>
             </a:xfrm>
             <a:custGeom>
@@ -20098,7 +20098,7 @@
           </p:nvSpPr>
           <p:spPr>
             <a:xfrm>
-              <a:off x="3569210" y="4563141"/>
+              <a:off x="3567798" y="4565388"/>
               <a:ext cx="13550" cy="4658"/>
             </a:xfrm>
             <a:custGeom>
@@ -20141,7 +20141,7 @@
           </p:nvSpPr>
           <p:spPr>
             <a:xfrm>
-              <a:off x="3537874" y="4578386"/>
+              <a:off x="3536462" y="4580633"/>
               <a:ext cx="57166" cy="6351"/>
             </a:xfrm>
             <a:custGeom>
@@ -20184,7 +20184,7 @@
           </p:nvSpPr>
           <p:spPr>
             <a:xfrm>
-              <a:off x="3540415" y="4589396"/>
+              <a:off x="3539003" y="4591643"/>
               <a:ext cx="51238" cy="27524"/>
             </a:xfrm>
             <a:custGeom>
@@ -20227,7 +20227,7 @@
           </p:nvSpPr>
           <p:spPr>
             <a:xfrm>
-              <a:off x="3548037" y="4595324"/>
+              <a:off x="3546625" y="4597571"/>
               <a:ext cx="14397" cy="5081"/>
             </a:xfrm>
             <a:custGeom>
@@ -20270,7 +20270,7 @@
           </p:nvSpPr>
           <p:spPr>
             <a:xfrm>
-              <a:off x="3569633" y="4595324"/>
+              <a:off x="3568221" y="4597571"/>
               <a:ext cx="14397" cy="5081"/>
             </a:xfrm>
             <a:custGeom>
@@ -20313,7 +20313,7 @@
           </p:nvSpPr>
           <p:spPr>
             <a:xfrm>
-              <a:off x="3548037" y="4605910"/>
+              <a:off x="3546625" y="4608157"/>
               <a:ext cx="14397" cy="5081"/>
             </a:xfrm>
             <a:custGeom>
@@ -20356,7 +20356,7 @@
           </p:nvSpPr>
           <p:spPr>
             <a:xfrm>
-              <a:off x="3569633" y="4605910"/>
+              <a:off x="3568221" y="4608157"/>
               <a:ext cx="14397" cy="5081"/>
             </a:xfrm>
             <a:custGeom>
@@ -20399,7 +20399,7 @@
           </p:nvSpPr>
           <p:spPr>
             <a:xfrm>
-              <a:off x="3536180" y="4621578"/>
+              <a:off x="3534768" y="4623825"/>
               <a:ext cx="60130" cy="6351"/>
             </a:xfrm>
             <a:custGeom>
@@ -20442,7 +20442,7 @@
           </p:nvSpPr>
           <p:spPr>
             <a:xfrm>
-              <a:off x="3500186" y="4535617"/>
+              <a:off x="3498774" y="4537864"/>
               <a:ext cx="33029" cy="94430"/>
             </a:xfrm>
             <a:custGeom>
@@ -20621,7 +20621,7 @@
                     <a:pt x="21236" y="84422"/>
                   </a:lnTo>
                   <a:lnTo>
-                    <a:pt x="21680" y="83692"/>
+                    <a:pt x="21681" y="83692"/>
                   </a:lnTo>
                   <a:lnTo>
                     <a:pt x="22083" y="82864"/>
@@ -20689,7 +20689,7 @@
           </p:nvSpPr>
           <p:spPr>
             <a:xfrm>
-              <a:off x="3498493" y="4584738"/>
+              <a:off x="3497080" y="4586985"/>
               <a:ext cx="23290" cy="32606"/>
             </a:xfrm>
             <a:custGeom>
@@ -20822,7 +20822,7 @@
           </p:nvSpPr>
           <p:spPr>
             <a:xfrm>
-              <a:off x="3294075" y="4723728"/>
+              <a:off x="3292639" y="4726234"/>
               <a:ext cx="97395" cy="43616"/>
             </a:xfrm>
             <a:custGeom>
@@ -20901,7 +20901,7 @@
           </p:nvSpPr>
           <p:spPr>
             <a:xfrm>
-              <a:off x="3305932" y="4777930"/>
+              <a:off x="3304496" y="4780436"/>
               <a:ext cx="73258" cy="41922"/>
             </a:xfrm>
             <a:custGeom>
@@ -20956,7 +20956,7 @@
           </p:nvSpPr>
           <p:spPr>
             <a:xfrm>
-              <a:off x="3314401" y="4785976"/>
+              <a:off x="3312965" y="4788482"/>
               <a:ext cx="56319" cy="19055"/>
             </a:xfrm>
             <a:custGeom>
@@ -20999,7 +20999,7 @@
           </p:nvSpPr>
           <p:spPr>
             <a:xfrm>
-              <a:off x="3400786" y="4722457"/>
+              <a:off x="3399350" y="4724964"/>
               <a:ext cx="47850" cy="97395"/>
             </a:xfrm>
             <a:custGeom>
@@ -21195,7 +21195,7 @@
           </p:nvSpPr>
           <p:spPr>
             <a:xfrm>
-              <a:off x="3442285" y="4722457"/>
+              <a:off x="3440849" y="4724964"/>
               <a:ext cx="58437" cy="97395"/>
             </a:xfrm>
             <a:custGeom>
@@ -21388,7 +21388,7 @@
           </p:nvSpPr>
           <p:spPr>
             <a:xfrm>
-              <a:off x="3277271" y="4911839"/>
+              <a:off x="3275828" y="4914604"/>
               <a:ext cx="83421" cy="97818"/>
             </a:xfrm>
             <a:custGeom>
@@ -21764,7 +21764,7 @@
           </p:nvSpPr>
           <p:spPr>
             <a:xfrm>
-              <a:off x="3379324" y="4911839"/>
+              <a:off x="3377881" y="4914604"/>
               <a:ext cx="95701" cy="39381"/>
             </a:xfrm>
             <a:custGeom>
@@ -21867,7 +21867,7 @@
           </p:nvSpPr>
           <p:spPr>
             <a:xfrm>
-              <a:off x="3413201" y="4926237"/>
+              <a:off x="3411758" y="4929002"/>
               <a:ext cx="27948" cy="6351"/>
             </a:xfrm>
             <a:custGeom>
@@ -21910,7 +21910,7 @@
           </p:nvSpPr>
           <p:spPr>
             <a:xfrm>
-              <a:off x="3398380" y="4944869"/>
+              <a:off x="3396937" y="4947634"/>
               <a:ext cx="56743" cy="6775"/>
             </a:xfrm>
             <a:custGeom>
@@ -21953,7 +21953,7 @@
           </p:nvSpPr>
           <p:spPr>
             <a:xfrm>
-              <a:off x="3380595" y="4956726"/>
+              <a:off x="3379152" y="4959491"/>
               <a:ext cx="95701" cy="52932"/>
             </a:xfrm>
             <a:custGeom>
@@ -22650,7 +22650,7 @@
           </p:nvSpPr>
           <p:spPr>
             <a:xfrm>
-              <a:off x="3488576" y="4912263"/>
+              <a:off x="3487133" y="4915028"/>
               <a:ext cx="93584" cy="97395"/>
             </a:xfrm>
             <a:custGeom>
@@ -22741,7 +22741,7 @@
           </p:nvSpPr>
           <p:spPr>
             <a:xfrm>
-              <a:off x="3509325" y="4970276"/>
+              <a:off x="3507883" y="4973041"/>
               <a:ext cx="53355" cy="24137"/>
             </a:xfrm>
             <a:custGeom>
@@ -22784,7 +22784,7 @@
           </p:nvSpPr>
           <p:spPr>
             <a:xfrm>
-              <a:off x="3244799" y="5101221"/>
+              <a:off x="3243350" y="5104245"/>
               <a:ext cx="37687" cy="98242"/>
             </a:xfrm>
             <a:custGeom>
@@ -23058,7 +23058,7 @@
           </p:nvSpPr>
           <p:spPr>
             <a:xfrm>
-              <a:off x="3284604" y="5105455"/>
+              <a:off x="3283155" y="5108479"/>
               <a:ext cx="56319" cy="7622"/>
             </a:xfrm>
             <a:custGeom>
@@ -23101,7 +23101,7 @@
           </p:nvSpPr>
           <p:spPr>
             <a:xfrm>
-              <a:off x="3288415" y="5120700"/>
+              <a:off x="3286966" y="5123724"/>
               <a:ext cx="48697" cy="24137"/>
             </a:xfrm>
             <a:custGeom>
@@ -23144,7 +23144,7 @@
           </p:nvSpPr>
           <p:spPr>
             <a:xfrm>
-              <a:off x="3296461" y="5127899"/>
+              <a:off x="3295012" y="5130923"/>
               <a:ext cx="32606" cy="9739"/>
             </a:xfrm>
             <a:custGeom>
@@ -23187,7 +23187,7 @@
           </p:nvSpPr>
           <p:spPr>
             <a:xfrm>
-              <a:off x="3285027" y="5152459"/>
+              <a:off x="3283578" y="5155483"/>
               <a:ext cx="55896" cy="47003"/>
             </a:xfrm>
             <a:custGeom>
@@ -23242,7 +23242,7 @@
           </p:nvSpPr>
           <p:spPr>
             <a:xfrm>
-              <a:off x="3293073" y="5160081"/>
+              <a:off x="3291624" y="5163105"/>
               <a:ext cx="16091" cy="10162"/>
             </a:xfrm>
             <a:custGeom>
@@ -23285,7 +23285,7 @@
           </p:nvSpPr>
           <p:spPr>
             <a:xfrm>
-              <a:off x="3316787" y="5160081"/>
+              <a:off x="3315338" y="5163105"/>
               <a:ext cx="15667" cy="10162"/>
             </a:xfrm>
             <a:custGeom>
@@ -23328,7 +23328,7 @@
           </p:nvSpPr>
           <p:spPr>
             <a:xfrm>
-              <a:off x="3293073" y="5177020"/>
+              <a:off x="3291624" y="5180044"/>
               <a:ext cx="16091" cy="9739"/>
             </a:xfrm>
             <a:custGeom>
@@ -23371,7 +23371,7 @@
           </p:nvSpPr>
           <p:spPr>
             <a:xfrm>
-              <a:off x="3316787" y="5177020"/>
+              <a:off x="3315338" y="5180044"/>
               <a:ext cx="15667" cy="9739"/>
             </a:xfrm>
             <a:custGeom>
@@ -23414,7 +23414,7 @@
           </p:nvSpPr>
           <p:spPr>
             <a:xfrm>
-              <a:off x="3355321" y="5107573"/>
+              <a:off x="3353872" y="5110597"/>
               <a:ext cx="97818" cy="91890"/>
             </a:xfrm>
             <a:custGeom>
@@ -23754,7 +23754,7 @@
           </p:nvSpPr>
           <p:spPr>
             <a:xfrm>
-              <a:off x="3385387" y="5102068"/>
+              <a:off x="3383938" y="5105092"/>
               <a:ext cx="66059" cy="82997"/>
             </a:xfrm>
             <a:custGeom>
@@ -23905,7 +23905,7 @@
           </p:nvSpPr>
           <p:spPr>
             <a:xfrm>
-              <a:off x="3421380" y="5116889"/>
+              <a:off x="3419932" y="5119913"/>
               <a:ext cx="15244" cy="7198"/>
             </a:xfrm>
             <a:custGeom>
@@ -23948,7 +23948,7 @@
           </p:nvSpPr>
           <p:spPr>
             <a:xfrm>
-              <a:off x="3421380" y="5131710"/>
+              <a:off x="3419932" y="5134734"/>
               <a:ext cx="15244" cy="7198"/>
             </a:xfrm>
             <a:custGeom>
@@ -23991,7 +23991,7 @@
           </p:nvSpPr>
           <p:spPr>
             <a:xfrm>
-              <a:off x="2936147" y="5294837"/>
+              <a:off x="2934618" y="5298120"/>
               <a:ext cx="93160" cy="71140"/>
             </a:xfrm>
             <a:custGeom>
@@ -24082,7 +24082,7 @@
           </p:nvSpPr>
           <p:spPr>
             <a:xfrm>
-              <a:off x="2953085" y="5302036"/>
+              <a:off x="2951557" y="5305319"/>
               <a:ext cx="25407" cy="24137"/>
             </a:xfrm>
             <a:custGeom>
@@ -24125,7 +24125,7 @@
           </p:nvSpPr>
           <p:spPr>
             <a:xfrm>
-              <a:off x="2958590" y="5305847"/>
+              <a:off x="2957062" y="5309130"/>
               <a:ext cx="13974" cy="16514"/>
             </a:xfrm>
             <a:custGeom>
@@ -24222,7 +24222,7 @@
           </p:nvSpPr>
           <p:spPr>
             <a:xfrm>
-              <a:off x="2986538" y="5302036"/>
+              <a:off x="2985010" y="5305319"/>
               <a:ext cx="25407" cy="24137"/>
             </a:xfrm>
             <a:custGeom>
@@ -24265,7 +24265,7 @@
           </p:nvSpPr>
           <p:spPr>
             <a:xfrm>
-              <a:off x="2991619" y="5305424"/>
+              <a:off x="2990091" y="5308706"/>
               <a:ext cx="14820" cy="17361"/>
             </a:xfrm>
             <a:custGeom>
@@ -24362,7 +24362,7 @@
           </p:nvSpPr>
           <p:spPr>
             <a:xfrm>
-              <a:off x="2933606" y="5367248"/>
+              <a:off x="2932078" y="5370531"/>
               <a:ext cx="20325" cy="22443"/>
             </a:xfrm>
             <a:custGeom>
@@ -24459,7 +24459,7 @@
           </p:nvSpPr>
           <p:spPr>
             <a:xfrm>
-              <a:off x="3011099" y="5367248"/>
+              <a:off x="3009570" y="5370531"/>
               <a:ext cx="19902" cy="22443"/>
             </a:xfrm>
             <a:custGeom>
@@ -24556,7 +24556,7 @@
           </p:nvSpPr>
           <p:spPr>
             <a:xfrm>
-              <a:off x="2962401" y="5368095"/>
+              <a:off x="2960873" y="5371378"/>
               <a:ext cx="15244" cy="20749"/>
             </a:xfrm>
             <a:custGeom>
@@ -24653,7 +24653,7 @@
           </p:nvSpPr>
           <p:spPr>
             <a:xfrm>
-              <a:off x="2987385" y="5368095"/>
+              <a:off x="2985857" y="5371378"/>
               <a:ext cx="16514" cy="20325"/>
             </a:xfrm>
             <a:custGeom>
@@ -24750,7 +24750,7 @@
           </p:nvSpPr>
           <p:spPr>
             <a:xfrm>
-              <a:off x="3042011" y="5291873"/>
+              <a:off x="3040483" y="5295156"/>
               <a:ext cx="94854" cy="97395"/>
             </a:xfrm>
             <a:custGeom>
@@ -24925,7 +24925,7 @@
           </p:nvSpPr>
           <p:spPr>
             <a:xfrm>
-              <a:off x="3102142" y="5293143"/>
+              <a:off x="3100614" y="5296426"/>
               <a:ext cx="19479" cy="17361"/>
             </a:xfrm>
             <a:custGeom>
@@ -25022,7 +25022,7 @@
           </p:nvSpPr>
           <p:spPr>
             <a:xfrm>
-              <a:off x="3067418" y="5326596"/>
+              <a:off x="3065890" y="5329879"/>
               <a:ext cx="70293" cy="60554"/>
             </a:xfrm>
             <a:custGeom>
@@ -25437,7 +25437,7 @@
           </p:nvSpPr>
           <p:spPr>
             <a:xfrm>
-              <a:off x="3154650" y="5292720"/>
+              <a:off x="3153122" y="5296003"/>
               <a:ext cx="20749" cy="16938"/>
             </a:xfrm>
             <a:custGeom>
@@ -25534,7 +25534,7 @@
           </p:nvSpPr>
           <p:spPr>
             <a:xfrm>
-              <a:off x="3150416" y="5318974"/>
+              <a:off x="3148888" y="5322257"/>
               <a:ext cx="21596" cy="17785"/>
             </a:xfrm>
             <a:custGeom>
@@ -25631,7 +25631,7 @@
           </p:nvSpPr>
           <p:spPr>
             <a:xfrm>
-              <a:off x="3151263" y="5344805"/>
+              <a:off x="3149735" y="5348088"/>
               <a:ext cx="27101" cy="44039"/>
             </a:xfrm>
             <a:custGeom>
@@ -25728,7 +25728,7 @@
           </p:nvSpPr>
           <p:spPr>
             <a:xfrm>
-              <a:off x="3181328" y="5297801"/>
+              <a:off x="3179800" y="5301084"/>
               <a:ext cx="67329" cy="88079"/>
             </a:xfrm>
             <a:custGeom>
@@ -25795,7 +25795,7 @@
           </p:nvSpPr>
           <p:spPr>
             <a:xfrm>
-              <a:off x="5550364" y="5482102"/>
+              <a:off x="5549501" y="5485643"/>
               <a:ext cx="96971" cy="73258"/>
             </a:xfrm>
             <a:custGeom>
@@ -25886,7 +25886,7 @@
           </p:nvSpPr>
           <p:spPr>
             <a:xfrm>
-              <a:off x="5579159" y="5502427"/>
+              <a:off x="5578296" y="5505969"/>
               <a:ext cx="41498" cy="10162"/>
             </a:xfrm>
             <a:custGeom>
@@ -25929,7 +25929,7 @@
           </p:nvSpPr>
           <p:spPr>
             <a:xfrm>
-              <a:off x="5579159" y="5519789"/>
+              <a:off x="5578296" y="5523331"/>
               <a:ext cx="41498" cy="11009"/>
             </a:xfrm>
             <a:custGeom>
@@ -25972,7 +25972,7 @@
           </p:nvSpPr>
           <p:spPr>
             <a:xfrm>
-              <a:off x="5579159" y="5537998"/>
+              <a:off x="5578296" y="5541540"/>
               <a:ext cx="41498" cy="9739"/>
             </a:xfrm>
             <a:custGeom>
@@ -26015,7 +26015,7 @@
           </p:nvSpPr>
           <p:spPr>
             <a:xfrm>
-              <a:off x="5552057" y="5558324"/>
+              <a:off x="5551195" y="5561866"/>
               <a:ext cx="37264" cy="21172"/>
             </a:xfrm>
             <a:custGeom>
@@ -26112,7 +26112,7 @@
           </p:nvSpPr>
           <p:spPr>
             <a:xfrm>
-              <a:off x="5608377" y="5558324"/>
+              <a:off x="5607514" y="5561866"/>
               <a:ext cx="37687" cy="21172"/>
             </a:xfrm>
             <a:custGeom>
@@ -26209,7 +26209,7 @@
           </p:nvSpPr>
           <p:spPr>
             <a:xfrm>
-              <a:off x="5661309" y="5480831"/>
+              <a:off x="5660447" y="5484373"/>
               <a:ext cx="92313" cy="33876"/>
             </a:xfrm>
             <a:custGeom>
@@ -26330,7 +26330,7 @@
           </p:nvSpPr>
           <p:spPr>
             <a:xfrm>
-              <a:off x="5679094" y="5512590"/>
+              <a:off x="5678232" y="5516132"/>
               <a:ext cx="71987" cy="63095"/>
             </a:xfrm>
             <a:custGeom>
@@ -26739,8 +26739,8 @@
           </p:nvSpPr>
           <p:spPr>
             <a:xfrm>
-              <a:off x="2081816" y="1811862"/>
-              <a:ext cx="6855275" cy="3834063"/>
+              <a:off x="2080073" y="1810329"/>
+              <a:ext cx="6857019" cy="3839294"/>
             </a:xfrm>
             <a:prstGeom prst="rect">
               <a:avLst/>
@@ -26769,7 +26769,7 @@
           </p:nvSpPr>
           <p:spPr>
             <a:xfrm>
-              <a:off x="1926585" y="5492452"/>
+              <a:off x="1924841" y="5495994"/>
               <a:ext cx="53806" cy="78035"/>
             </a:xfrm>
             <a:custGeom>
@@ -27535,7 +27535,7 @@
           </p:nvSpPr>
           <p:spPr>
             <a:xfrm>
-              <a:off x="1989286" y="5492452"/>
+              <a:off x="1987543" y="5495994"/>
               <a:ext cx="53151" cy="79126"/>
             </a:xfrm>
             <a:custGeom>
@@ -27867,7 +27867,7 @@
                     <a:pt x="13055" y="3181"/>
                   </a:lnTo>
                   <a:lnTo>
-                    <a:pt x="13969" y="2684"/>
+                    <a:pt x="13970" y="2684"/>
                   </a:lnTo>
                   <a:lnTo>
                     <a:pt x="14911" y="2242"/>
@@ -28046,7 +28046,7 @@
           </p:nvSpPr>
           <p:spPr>
             <a:xfrm>
-              <a:off x="2004621" y="5504458"/>
+              <a:off x="2002877" y="5507999"/>
               <a:ext cx="22428" cy="55061"/>
             </a:xfrm>
             <a:custGeom>
@@ -28429,7 +28429,7 @@
                     <a:pt x="13448" y="54851"/>
                   </a:lnTo>
                   <a:lnTo>
-                    <a:pt x="13969" y="54734"/>
+                    <a:pt x="13970" y="54734"/>
                   </a:lnTo>
                   <a:lnTo>
                     <a:pt x="14474" y="54589"/>
@@ -28557,7 +28557,7 @@
           </p:nvSpPr>
           <p:spPr>
             <a:xfrm>
-              <a:off x="1929750" y="5303793"/>
+              <a:off x="1928007" y="5307076"/>
               <a:ext cx="52005" cy="76889"/>
             </a:xfrm>
             <a:custGeom>
@@ -28621,7 +28621,7 @@
           </p:nvSpPr>
           <p:spPr>
             <a:xfrm>
-              <a:off x="1988741" y="5302647"/>
+              <a:off x="1986997" y="5305930"/>
               <a:ext cx="54133" cy="79126"/>
             </a:xfrm>
             <a:custGeom>
@@ -29495,7 +29495,7 @@
           </p:nvSpPr>
           <p:spPr>
             <a:xfrm>
-              <a:off x="2004293" y="5314653"/>
+              <a:off x="2002550" y="5317935"/>
               <a:ext cx="22373" cy="27939"/>
             </a:xfrm>
             <a:custGeom>
@@ -30006,7 +30006,7 @@
           </p:nvSpPr>
           <p:spPr>
             <a:xfrm>
-              <a:off x="1929750" y="5113988"/>
+              <a:off x="1928007" y="5117012"/>
               <a:ext cx="52005" cy="76889"/>
             </a:xfrm>
             <a:custGeom>
@@ -30070,7 +30070,7 @@
           </p:nvSpPr>
           <p:spPr>
             <a:xfrm>
-              <a:off x="1988413" y="5112842"/>
+              <a:off x="1986670" y="5115866"/>
               <a:ext cx="55170" cy="79126"/>
             </a:xfrm>
             <a:custGeom>
@@ -31067,7 +31067,7 @@
           </p:nvSpPr>
           <p:spPr>
             <a:xfrm>
-              <a:off x="2005876" y="5123592"/>
+              <a:off x="2004132" y="5126616"/>
               <a:ext cx="20027" cy="21555"/>
             </a:xfrm>
             <a:custGeom>
@@ -31578,7 +31578,7 @@
           </p:nvSpPr>
           <p:spPr>
             <a:xfrm>
-              <a:off x="2004184" y="5155898"/>
+              <a:off x="2002440" y="5158922"/>
               <a:ext cx="23519" cy="25266"/>
             </a:xfrm>
             <a:custGeom>
@@ -32089,7 +32089,7 @@
           </p:nvSpPr>
           <p:spPr>
             <a:xfrm>
-              <a:off x="1929750" y="4924183"/>
+              <a:off x="1928007" y="4926948"/>
               <a:ext cx="52005" cy="76889"/>
             </a:xfrm>
             <a:custGeom>
@@ -32153,7 +32153,7 @@
           </p:nvSpPr>
           <p:spPr>
             <a:xfrm>
-              <a:off x="1989668" y="4924183"/>
+              <a:off x="1987925" y="4926948"/>
               <a:ext cx="52442" cy="76889"/>
             </a:xfrm>
             <a:custGeom>
@@ -32439,7 +32439,7 @@
           </p:nvSpPr>
           <p:spPr>
             <a:xfrm>
-              <a:off x="1929750" y="4734378"/>
+              <a:off x="1928007" y="4736884"/>
               <a:ext cx="52005" cy="76889"/>
             </a:xfrm>
             <a:custGeom>
@@ -32503,7 +32503,7 @@
           </p:nvSpPr>
           <p:spPr>
             <a:xfrm>
-              <a:off x="1988959" y="4733232"/>
+              <a:off x="1987215" y="4735738"/>
               <a:ext cx="54024" cy="79126"/>
             </a:xfrm>
             <a:custGeom>
@@ -33197,7 +33197,7 @@
           </p:nvSpPr>
           <p:spPr>
             <a:xfrm>
-              <a:off x="2005057" y="4773068"/>
+              <a:off x="2003314" y="4775574"/>
               <a:ext cx="22537" cy="27339"/>
             </a:xfrm>
             <a:custGeom>
@@ -33648,7 +33648,7 @@
           </p:nvSpPr>
           <p:spPr>
             <a:xfrm>
-              <a:off x="1929750" y="4544572"/>
+              <a:off x="1928007" y="4546820"/>
               <a:ext cx="52005" cy="76889"/>
             </a:xfrm>
             <a:custGeom>
@@ -33712,7 +33712,7 @@
           </p:nvSpPr>
           <p:spPr>
             <a:xfrm>
-              <a:off x="1988304" y="4544572"/>
+              <a:off x="1986561" y="4546820"/>
               <a:ext cx="55607" cy="77980"/>
             </a:xfrm>
             <a:custGeom>
@@ -34203,7 +34203,7 @@
                     <a:pt x="36870" y="42266"/>
                   </a:lnTo>
                   <a:lnTo>
-                    <a:pt x="36562" y="41909"/>
+                    <a:pt x="36562" y="41910"/>
                   </a:lnTo>
                   <a:lnTo>
                     <a:pt x="36248" y="41568"/>
@@ -34544,7 +34544,7 @@
           </p:nvSpPr>
           <p:spPr>
             <a:xfrm>
-              <a:off x="1929750" y="4354767"/>
+              <a:off x="1928007" y="4356755"/>
               <a:ext cx="52005" cy="76889"/>
             </a:xfrm>
             <a:custGeom>
@@ -34608,7 +34608,7 @@
           </p:nvSpPr>
           <p:spPr>
             <a:xfrm>
-              <a:off x="1986558" y="4354767"/>
+              <a:off x="1984814" y="4356755"/>
               <a:ext cx="59863" cy="76889"/>
             </a:xfrm>
             <a:custGeom>
@@ -34672,7 +34672,7 @@
           </p:nvSpPr>
           <p:spPr>
             <a:xfrm>
-              <a:off x="1999054" y="4368754"/>
+              <a:off x="1997311" y="4370742"/>
               <a:ext cx="22952" cy="35836"/>
             </a:xfrm>
             <a:custGeom>
@@ -34824,7 +34824,7 @@
                     <a:pt x="22327" y="1184"/>
                   </a:lnTo>
                   <a:lnTo>
-                    <a:pt x="22217" y="1397"/>
+                    <a:pt x="22217" y="1396"/>
                   </a:lnTo>
                   <a:lnTo>
                     <a:pt x="22100" y="1620"/>
@@ -34949,7 +34949,7 @@
           </p:nvSpPr>
           <p:spPr>
             <a:xfrm>
-              <a:off x="1929750" y="4164962"/>
+              <a:off x="1928007" y="4166691"/>
               <a:ext cx="52005" cy="76889"/>
             </a:xfrm>
             <a:custGeom>
@@ -35013,7 +35013,7 @@
           </p:nvSpPr>
           <p:spPr>
             <a:xfrm>
-              <a:off x="1987431" y="4163816"/>
+              <a:off x="1985687" y="4165545"/>
               <a:ext cx="55552" cy="79290"/>
             </a:xfrm>
             <a:custGeom>
@@ -35339,7 +35339,7 @@
                     <a:pt x="20590" y="64866"/>
                   </a:lnTo>
                   <a:lnTo>
-                    <a:pt x="20955" y="65102"/>
+                    <a:pt x="20954" y="65102"/>
                   </a:lnTo>
                   <a:lnTo>
                     <a:pt x="21332" y="65325"/>
@@ -35882,7 +35882,7 @@
                     <a:pt x="10815" y="4673"/>
                   </a:lnTo>
                   <a:lnTo>
-                    <a:pt x="11555" y="4190"/>
+                    <a:pt x="11555" y="4191"/>
                   </a:lnTo>
                   <a:lnTo>
                     <a:pt x="12317" y="3735"/>
@@ -36322,7 +36322,7 @@
           </p:nvSpPr>
           <p:spPr>
             <a:xfrm>
-              <a:off x="1929750" y="3975157"/>
+              <a:off x="1928007" y="3976627"/>
               <a:ext cx="52005" cy="76889"/>
             </a:xfrm>
             <a:custGeom>
@@ -36386,7 +36386,7 @@
           </p:nvSpPr>
           <p:spPr>
             <a:xfrm>
-              <a:off x="1988741" y="3974011"/>
+              <a:off x="1986997" y="3975481"/>
               <a:ext cx="53806" cy="78035"/>
             </a:xfrm>
             <a:custGeom>
@@ -37152,7 +37152,7 @@
           </p:nvSpPr>
           <p:spPr>
             <a:xfrm>
-              <a:off x="1929750" y="3785352"/>
+              <a:off x="1928007" y="3786563"/>
               <a:ext cx="52005" cy="76889"/>
             </a:xfrm>
             <a:custGeom>
@@ -37216,7 +37216,7 @@
           </p:nvSpPr>
           <p:spPr>
             <a:xfrm>
-              <a:off x="1991906" y="3785352"/>
+              <a:off x="1990162" y="3786563"/>
               <a:ext cx="52005" cy="76889"/>
             </a:xfrm>
             <a:custGeom>
@@ -37280,7 +37280,7 @@
           </p:nvSpPr>
           <p:spPr>
             <a:xfrm>
-              <a:off x="1929750" y="3595547"/>
+              <a:off x="1928007" y="3596499"/>
               <a:ext cx="52005" cy="76889"/>
             </a:xfrm>
             <a:custGeom>
@@ -37344,7 +37344,7 @@
           </p:nvSpPr>
           <p:spPr>
             <a:xfrm>
-              <a:off x="1989286" y="3594401"/>
+              <a:off x="1987543" y="3595353"/>
               <a:ext cx="53151" cy="79126"/>
             </a:xfrm>
             <a:custGeom>
@@ -37676,7 +37676,7 @@
                     <a:pt x="13055" y="3181"/>
                   </a:lnTo>
                   <a:lnTo>
-                    <a:pt x="13969" y="2684"/>
+                    <a:pt x="13970" y="2684"/>
                   </a:lnTo>
                   <a:lnTo>
                     <a:pt x="14911" y="2242"/>
@@ -37855,7 +37855,7 @@
           </p:nvSpPr>
           <p:spPr>
             <a:xfrm>
-              <a:off x="2004621" y="3606406"/>
+              <a:off x="2002877" y="3607359"/>
               <a:ext cx="22428" cy="55061"/>
             </a:xfrm>
             <a:custGeom>
@@ -38238,7 +38238,7 @@
                     <a:pt x="13448" y="54851"/>
                   </a:lnTo>
                   <a:lnTo>
-                    <a:pt x="13969" y="54734"/>
+                    <a:pt x="13970" y="54734"/>
                   </a:lnTo>
                   <a:lnTo>
                     <a:pt x="14474" y="54589"/>
@@ -38366,7 +38366,7 @@
           </p:nvSpPr>
           <p:spPr>
             <a:xfrm>
-              <a:off x="1988741" y="3404596"/>
+              <a:off x="1986997" y="3405289"/>
               <a:ext cx="54133" cy="79126"/>
             </a:xfrm>
             <a:custGeom>
@@ -39240,13 +39240,13 @@
           </p:nvSpPr>
           <p:spPr>
             <a:xfrm>
-              <a:off x="2004293" y="3416601"/>
-              <a:ext cx="22373" cy="27940"/>
+              <a:off x="2002550" y="3417295"/>
+              <a:ext cx="22373" cy="27939"/>
             </a:xfrm>
             <a:custGeom>
               <a:avLst/>
               <a:pathLst>
-                <a:path w="22373" h="27940">
+                <a:path w="22373" h="27939">
                   <a:moveTo>
                     <a:pt x="22373" y="15607"/>
                   </a:moveTo>
@@ -39608,7 +39608,7 @@
                     <a:pt x="10439" y="27929"/>
                   </a:lnTo>
                   <a:lnTo>
-                    <a:pt x="10968" y="27940"/>
+                    <a:pt x="10968" y="27939"/>
                   </a:lnTo>
                   <a:lnTo>
                     <a:pt x="11393" y="27932"/>
@@ -39751,7 +39751,7 @@
           </p:nvSpPr>
           <p:spPr>
             <a:xfrm>
-              <a:off x="1988413" y="3214790"/>
+              <a:off x="1986670" y="3215225"/>
               <a:ext cx="55170" cy="79126"/>
             </a:xfrm>
             <a:custGeom>
@@ -40748,7 +40748,7 @@
           </p:nvSpPr>
           <p:spPr>
             <a:xfrm>
-              <a:off x="2005876" y="3225541"/>
+              <a:off x="2004132" y="3225975"/>
               <a:ext cx="20027" cy="21555"/>
             </a:xfrm>
             <a:custGeom>
@@ -41259,7 +41259,7 @@
           </p:nvSpPr>
           <p:spPr>
             <a:xfrm>
-              <a:off x="2004184" y="3257846"/>
+              <a:off x="2002440" y="3258281"/>
               <a:ext cx="23519" cy="25266"/>
             </a:xfrm>
             <a:custGeom>
@@ -41770,7 +41770,7 @@
           </p:nvSpPr>
           <p:spPr>
             <a:xfrm>
-              <a:off x="1989668" y="3026131"/>
+              <a:off x="1987925" y="3026307"/>
               <a:ext cx="52442" cy="76889"/>
             </a:xfrm>
             <a:custGeom>
@@ -42056,7 +42056,7 @@
           </p:nvSpPr>
           <p:spPr>
             <a:xfrm>
-              <a:off x="1988959" y="2835180"/>
+              <a:off x="1987215" y="2835097"/>
               <a:ext cx="54024" cy="79126"/>
             </a:xfrm>
             <a:custGeom>
@@ -42750,7 +42750,7 @@
           </p:nvSpPr>
           <p:spPr>
             <a:xfrm>
-              <a:off x="2005057" y="2875017"/>
+              <a:off x="2003314" y="2874933"/>
               <a:ext cx="22537" cy="27339"/>
             </a:xfrm>
             <a:custGeom>
@@ -43201,7 +43201,7 @@
           </p:nvSpPr>
           <p:spPr>
             <a:xfrm>
-              <a:off x="1988304" y="2646521"/>
+              <a:off x="1986561" y="2646179"/>
               <a:ext cx="55607" cy="77980"/>
             </a:xfrm>
             <a:custGeom>
@@ -44033,7 +44033,7 @@
           </p:nvSpPr>
           <p:spPr>
             <a:xfrm>
-              <a:off x="1986558" y="2456716"/>
+              <a:off x="1984814" y="2456115"/>
               <a:ext cx="59863" cy="76889"/>
             </a:xfrm>
             <a:custGeom>
@@ -44097,7 +44097,7 @@
           </p:nvSpPr>
           <p:spPr>
             <a:xfrm>
-              <a:off x="1999054" y="2470702"/>
+              <a:off x="1997311" y="2470101"/>
               <a:ext cx="22952" cy="35836"/>
             </a:xfrm>
             <a:custGeom>
@@ -44374,7 +44374,7 @@
           </p:nvSpPr>
           <p:spPr>
             <a:xfrm>
-              <a:off x="1987431" y="2265765"/>
+              <a:off x="1985687" y="2264905"/>
               <a:ext cx="55552" cy="79290"/>
             </a:xfrm>
             <a:custGeom>
@@ -44700,7 +44700,7 @@
                     <a:pt x="20590" y="64866"/>
                   </a:lnTo>
                   <a:lnTo>
-                    <a:pt x="20955" y="65102"/>
+                    <a:pt x="20954" y="65102"/>
                   </a:lnTo>
                   <a:lnTo>
                     <a:pt x="21332" y="65325"/>
@@ -45683,7 +45683,7 @@
           </p:nvSpPr>
           <p:spPr>
             <a:xfrm>
-              <a:off x="1988741" y="2075960"/>
+              <a:off x="1986997" y="2074840"/>
               <a:ext cx="53806" cy="78035"/>
             </a:xfrm>
             <a:custGeom>
@@ -46449,7 +46449,7 @@
           </p:nvSpPr>
           <p:spPr>
             <a:xfrm>
-              <a:off x="1991906" y="1887300"/>
+              <a:off x="1990162" y="1885922"/>
               <a:ext cx="52005" cy="76889"/>
             </a:xfrm>
             <a:custGeom>
@@ -46513,7 +46513,7 @@
           </p:nvSpPr>
           <p:spPr>
             <a:xfrm>
-              <a:off x="2047022" y="5532043"/>
+              <a:off x="2045278" y="5535585"/>
               <a:ext cx="34794" cy="0"/>
             </a:xfrm>
             <a:custGeom>
@@ -46553,7 +46553,7 @@
           </p:nvSpPr>
           <p:spPr>
             <a:xfrm>
-              <a:off x="2047022" y="5342238"/>
+              <a:off x="2045278" y="5345521"/>
               <a:ext cx="34794" cy="0"/>
             </a:xfrm>
             <a:custGeom>
@@ -46593,7 +46593,7 @@
           </p:nvSpPr>
           <p:spPr>
             <a:xfrm>
-              <a:off x="2047022" y="5152433"/>
+              <a:off x="2045278" y="5155457"/>
               <a:ext cx="34794" cy="0"/>
             </a:xfrm>
             <a:custGeom>
@@ -46633,7 +46633,7 @@
           </p:nvSpPr>
           <p:spPr>
             <a:xfrm>
-              <a:off x="2047022" y="4962628"/>
+              <a:off x="2045278" y="4965393"/>
               <a:ext cx="34794" cy="0"/>
             </a:xfrm>
             <a:custGeom>
@@ -46673,7 +46673,7 @@
           </p:nvSpPr>
           <p:spPr>
             <a:xfrm>
-              <a:off x="2047022" y="4772822"/>
+              <a:off x="2045278" y="4775328"/>
               <a:ext cx="34794" cy="0"/>
             </a:xfrm>
             <a:custGeom>
@@ -46713,7 +46713,7 @@
           </p:nvSpPr>
           <p:spPr>
             <a:xfrm>
-              <a:off x="2047022" y="4583017"/>
+              <a:off x="2045278" y="4585264"/>
               <a:ext cx="34794" cy="0"/>
             </a:xfrm>
             <a:custGeom>
@@ -46753,7 +46753,7 @@
           </p:nvSpPr>
           <p:spPr>
             <a:xfrm>
-              <a:off x="2047022" y="4393212"/>
+              <a:off x="2045278" y="4395200"/>
               <a:ext cx="34794" cy="0"/>
             </a:xfrm>
             <a:custGeom>
@@ -46793,7 +46793,7 @@
           </p:nvSpPr>
           <p:spPr>
             <a:xfrm>
-              <a:off x="2047022" y="4203407"/>
+              <a:off x="2045278" y="4205136"/>
               <a:ext cx="34794" cy="0"/>
             </a:xfrm>
             <a:custGeom>
@@ -46833,7 +46833,7 @@
           </p:nvSpPr>
           <p:spPr>
             <a:xfrm>
-              <a:off x="2047022" y="4013602"/>
+              <a:off x="2045278" y="4015072"/>
               <a:ext cx="34794" cy="0"/>
             </a:xfrm>
             <a:custGeom>
@@ -46873,7 +46873,7 @@
           </p:nvSpPr>
           <p:spPr>
             <a:xfrm>
-              <a:off x="2047022" y="3823797"/>
+              <a:off x="2045278" y="3825008"/>
               <a:ext cx="34794" cy="0"/>
             </a:xfrm>
             <a:custGeom>
@@ -46913,7 +46913,7 @@
           </p:nvSpPr>
           <p:spPr>
             <a:xfrm>
-              <a:off x="2047022" y="3633992"/>
+              <a:off x="2045278" y="3634944"/>
               <a:ext cx="34794" cy="0"/>
             </a:xfrm>
             <a:custGeom>
@@ -46953,7 +46953,7 @@
           </p:nvSpPr>
           <p:spPr>
             <a:xfrm>
-              <a:off x="2047022" y="3444186"/>
+              <a:off x="2045278" y="3444880"/>
               <a:ext cx="34794" cy="0"/>
             </a:xfrm>
             <a:custGeom>
@@ -46993,7 +46993,7 @@
           </p:nvSpPr>
           <p:spPr>
             <a:xfrm>
-              <a:off x="2047022" y="3254381"/>
+              <a:off x="2045278" y="3254816"/>
               <a:ext cx="34794" cy="0"/>
             </a:xfrm>
             <a:custGeom>
@@ -47033,7 +47033,7 @@
           </p:nvSpPr>
           <p:spPr>
             <a:xfrm>
-              <a:off x="2047022" y="3064576"/>
+              <a:off x="2045278" y="3064752"/>
               <a:ext cx="34794" cy="0"/>
             </a:xfrm>
             <a:custGeom>
@@ -47073,7 +47073,7 @@
           </p:nvSpPr>
           <p:spPr>
             <a:xfrm>
-              <a:off x="2047022" y="2874771"/>
+              <a:off x="2045278" y="2874688"/>
               <a:ext cx="34794" cy="0"/>
             </a:xfrm>
             <a:custGeom>
@@ -47113,7 +47113,7 @@
           </p:nvSpPr>
           <p:spPr>
             <a:xfrm>
-              <a:off x="2047022" y="2684966"/>
+              <a:off x="2045278" y="2684623"/>
               <a:ext cx="34794" cy="0"/>
             </a:xfrm>
             <a:custGeom>
@@ -47153,7 +47153,7 @@
           </p:nvSpPr>
           <p:spPr>
             <a:xfrm>
-              <a:off x="2047022" y="2495161"/>
+              <a:off x="2045278" y="2494559"/>
               <a:ext cx="34794" cy="0"/>
             </a:xfrm>
             <a:custGeom>
@@ -47193,7 +47193,7 @@
           </p:nvSpPr>
           <p:spPr>
             <a:xfrm>
-              <a:off x="2047022" y="2305356"/>
+              <a:off x="2045278" y="2304495"/>
               <a:ext cx="34794" cy="0"/>
             </a:xfrm>
             <a:custGeom>
@@ -47233,7 +47233,7 @@
           </p:nvSpPr>
           <p:spPr>
             <a:xfrm>
-              <a:off x="2047022" y="2115550"/>
+              <a:off x="2045278" y="2114431"/>
               <a:ext cx="34794" cy="0"/>
             </a:xfrm>
             <a:custGeom>
@@ -47273,7 +47273,7 @@
           </p:nvSpPr>
           <p:spPr>
             <a:xfrm>
-              <a:off x="2047022" y="1925745"/>
+              <a:off x="2045278" y="1924367"/>
               <a:ext cx="34794" cy="0"/>
             </a:xfrm>
             <a:custGeom>
@@ -47313,7 +47313,7 @@
           </p:nvSpPr>
           <p:spPr>
             <a:xfrm>
-              <a:off x="2081816" y="5645926"/>
+              <a:off x="2080073" y="5649623"/>
               <a:ext cx="0" cy="34794"/>
             </a:xfrm>
             <a:custGeom>
@@ -47353,7 +47353,7 @@
           </p:nvSpPr>
           <p:spPr>
             <a:xfrm>
-              <a:off x="4482123" y="5645926"/>
+              <a:off x="4480990" y="5649623"/>
               <a:ext cx="0" cy="34794"/>
             </a:xfrm>
             <a:custGeom>
@@ -47393,7 +47393,7 @@
           </p:nvSpPr>
           <p:spPr>
             <a:xfrm>
-              <a:off x="6882429" y="5645926"/>
+              <a:off x="6881907" y="5649623"/>
               <a:ext cx="0" cy="34794"/>
             </a:xfrm>
             <a:custGeom>
@@ -47433,7 +47433,7 @@
           </p:nvSpPr>
           <p:spPr>
             <a:xfrm>
-              <a:off x="2055104" y="5707410"/>
+              <a:off x="2053361" y="5711107"/>
               <a:ext cx="53424" cy="79126"/>
             </a:xfrm>
             <a:custGeom>
@@ -47876,7 +47876,7 @@
                     <a:pt x="48312" y="12306"/>
                   </a:lnTo>
                   <a:lnTo>
-                    <a:pt x="48894" y="13492"/>
+                    <a:pt x="48895" y="13492"/>
                   </a:lnTo>
                   <a:lnTo>
                     <a:pt x="49447" y="14740"/>
@@ -47944,7 +47944,7 @@
           </p:nvSpPr>
           <p:spPr>
             <a:xfrm>
-              <a:off x="2065036" y="5715377"/>
+              <a:off x="2063292" y="5719075"/>
               <a:ext cx="33506" cy="63137"/>
             </a:xfrm>
             <a:custGeom>
@@ -48455,7 +48455,7 @@
           </p:nvSpPr>
           <p:spPr>
             <a:xfrm>
-              <a:off x="4397402" y="5708556"/>
+              <a:off x="4396269" y="5712253"/>
               <a:ext cx="48185" cy="76889"/>
             </a:xfrm>
             <a:custGeom>
@@ -48519,7 +48519,7 @@
           </p:nvSpPr>
           <p:spPr>
             <a:xfrm>
-              <a:off x="4455411" y="5707410"/>
+              <a:off x="4454278" y="5711107"/>
               <a:ext cx="53424" cy="79126"/>
             </a:xfrm>
             <a:custGeom>
@@ -49030,7 +49030,7 @@
           </p:nvSpPr>
           <p:spPr>
             <a:xfrm>
-              <a:off x="4465342" y="5715377"/>
+              <a:off x="4464209" y="5719075"/>
               <a:ext cx="33506" cy="63137"/>
             </a:xfrm>
             <a:custGeom>
@@ -49541,7 +49541,7 @@
           </p:nvSpPr>
           <p:spPr>
             <a:xfrm>
-              <a:off x="4517566" y="5707410"/>
+              <a:off x="4516433" y="5711107"/>
               <a:ext cx="53424" cy="79126"/>
             </a:xfrm>
             <a:custGeom>
@@ -50052,7 +50052,7 @@
           </p:nvSpPr>
           <p:spPr>
             <a:xfrm>
-              <a:off x="4527498" y="5715377"/>
+              <a:off x="4526365" y="5719075"/>
               <a:ext cx="33506" cy="63137"/>
             </a:xfrm>
             <a:custGeom>
@@ -50563,7 +50563,7 @@
           </p:nvSpPr>
           <p:spPr>
             <a:xfrm>
-              <a:off x="6794817" y="5707410"/>
+              <a:off x="6794294" y="5711107"/>
               <a:ext cx="50914" cy="78035"/>
             </a:xfrm>
             <a:custGeom>
@@ -51509,7 +51509,7 @@
           </p:nvSpPr>
           <p:spPr>
             <a:xfrm>
-              <a:off x="6855717" y="5707410"/>
+              <a:off x="6855195" y="5711107"/>
               <a:ext cx="53424" cy="79126"/>
             </a:xfrm>
             <a:custGeom>
@@ -52020,7 +52020,7 @@
           </p:nvSpPr>
           <p:spPr>
             <a:xfrm>
-              <a:off x="6865649" y="5715377"/>
+              <a:off x="6865127" y="5719075"/>
               <a:ext cx="33506" cy="63137"/>
             </a:xfrm>
             <a:custGeom>
@@ -52531,7 +52531,7 @@
           </p:nvSpPr>
           <p:spPr>
             <a:xfrm>
-              <a:off x="6917873" y="5707410"/>
+              <a:off x="6917350" y="5711107"/>
               <a:ext cx="53424" cy="79126"/>
             </a:xfrm>
             <a:custGeom>
@@ -53042,7 +53042,7 @@
           </p:nvSpPr>
           <p:spPr>
             <a:xfrm>
-              <a:off x="6927805" y="5715377"/>
+              <a:off x="6927282" y="5719075"/>
               <a:ext cx="33506" cy="63137"/>
             </a:xfrm>
             <a:custGeom>
